--- a/utilitarios/Cangaço Dev – 24-08.pptx
+++ b/utilitarios/Cangaço Dev – 24-08.pptx
@@ -17,6 +17,15 @@
     <p:sldId id="265" r:id="rId11"/>
     <p:sldId id="266" r:id="rId12"/>
     <p:sldId id="267" r:id="rId13"/>
+    <p:sldId id="272" r:id="rId14"/>
+    <p:sldId id="268" r:id="rId15"/>
+    <p:sldId id="269" r:id="rId16"/>
+    <p:sldId id="270" r:id="rId17"/>
+    <p:sldId id="271" r:id="rId18"/>
+    <p:sldId id="273" r:id="rId19"/>
+    <p:sldId id="274" r:id="rId20"/>
+    <p:sldId id="275" r:id="rId21"/>
+    <p:sldId id="276" r:id="rId22"/>
   </p:sldIdLst>
   <p:sldSz cx="12192000" cy="6858000"/>
   <p:notesSz cx="6858000" cy="9144000"/>
@@ -115,7 +124,20 @@
       </a:defRPr>
     </a:lvl9pPr>
   </p:defaultTextStyle>
+  <p:extLst>
+    <p:ext uri="{EFAFB233-063F-42B5-8137-9DF3F51BA10A}">
+      <p15:sldGuideLst xmlns:p15="http://schemas.microsoft.com/office/powerpoint/2012/main"/>
+    </p:ext>
+  </p:extLst>
 </p:presentation>
+</file>
+
+<file path=ppt/revisionInfo.xml><?xml version="1.0" encoding="utf-8"?>
+<p1510:revInfo xmlns:a="http://schemas.openxmlformats.org/drawingml/2006/main" xmlns:r="http://schemas.openxmlformats.org/officeDocument/2006/relationships" xmlns:p1510="http://schemas.microsoft.com/office/powerpoint/2015/10/main">
+  <p1510:revLst>
+    <p1510:client id="{DBA816F0-6783-462E-BAF0-03AF43A32112}" v="740" dt="2023-08-24T15:00:15.361"/>
+  </p1510:revLst>
+</p1510:revInfo>
 </file>
 
 <file path=ppt/slideLayouts/slideLayout1.xml><?xml version="1.0" encoding="utf-8"?>
@@ -454,7 +476,7 @@
             <a:fld id="{5923F103-BC34-4FE4-A40E-EDDEECFDA5D0}" type="datetimeFigureOut">
               <a:rPr lang="en-US" dirty="0"/>
               <a:pPr/>
-              <a:t>8/23/2023</a:t>
+              <a:t>8/24/2023</a:t>
             </a:fld>
             <a:endParaRPr lang="en-US" dirty="0"/>
           </a:p>
@@ -1538,7 +1560,7 @@
           <a:p>
             <a:fld id="{923A1CC3-2375-41D4-9E03-427CAF2A4C1A}" type="datetimeFigureOut">
               <a:rPr lang="en-US" dirty="0"/>
-              <a:t>8/23/2023</a:t>
+              <a:t>8/24/2023</a:t>
             </a:fld>
             <a:endParaRPr lang="en-US" dirty="0"/>
           </a:p>
@@ -2514,7 +2536,7 @@
           <a:p>
             <a:fld id="{AFF16868-8199-4C2C-A5B1-63AEE139F88E}" type="datetimeFigureOut">
               <a:rPr lang="en-US" dirty="0"/>
-              <a:t>8/23/2023</a:t>
+              <a:t>8/24/2023</a:t>
             </a:fld>
             <a:endParaRPr lang="en-US" dirty="0"/>
           </a:p>
@@ -3644,7 +3666,7 @@
           <a:p>
             <a:fld id="{AAD9FF7F-6988-44CC-821B-644E70CD2F73}" type="datetimeFigureOut">
               <a:rPr lang="en-US" dirty="0"/>
-              <a:t>8/23/2023</a:t>
+              <a:t>8/24/2023</a:t>
             </a:fld>
             <a:endParaRPr lang="en-US" dirty="0"/>
           </a:p>
@@ -4673,7 +4695,7 @@
           <a:p>
             <a:fld id="{5C12C299-16B2-4475-990D-751901EACC14}" type="datetimeFigureOut">
               <a:rPr lang="en-US" dirty="0"/>
-              <a:t>8/23/2023</a:t>
+              <a:t>8/24/2023</a:t>
             </a:fld>
             <a:endParaRPr lang="en-US" dirty="0"/>
           </a:p>
@@ -5329,7 +5351,7 @@
           <a:p>
             <a:fld id="{9FE86839-B9D8-4651-8783-F325ECE74E65}" type="datetimeFigureOut">
               <a:rPr lang="en-US" dirty="0"/>
-              <a:t>8/23/2023</a:t>
+              <a:t>8/24/2023</a:t>
             </a:fld>
             <a:endParaRPr lang="en-US" dirty="0"/>
           </a:p>
@@ -6186,7 +6208,7 @@
           <a:p>
             <a:fld id="{FD484F64-32F6-45C5-931F-ADC1662401D0}" type="datetimeFigureOut">
               <a:rPr lang="en-US" dirty="0"/>
-              <a:t>8/23/2023</a:t>
+              <a:t>8/24/2023</a:t>
             </a:fld>
             <a:endParaRPr lang="en-US" dirty="0"/>
           </a:p>
@@ -6372,7 +6394,7 @@
           <a:p>
             <a:fld id="{53086D93-FCAC-47E0-A2EE-787E62CA814C}" type="datetimeFigureOut">
               <a:rPr lang="en-US" dirty="0"/>
-              <a:t>8/23/2023</a:t>
+              <a:t>8/24/2023</a:t>
             </a:fld>
             <a:endParaRPr lang="en-US" dirty="0"/>
           </a:p>
@@ -7340,7 +7362,7 @@
           <a:p>
             <a:fld id="{CDA879A6-0FD0-4734-A311-86BFCA472E6E}" type="datetimeFigureOut">
               <a:rPr lang="en-US" dirty="0"/>
-              <a:t>8/23/2023</a:t>
+              <a:t>8/24/2023</a:t>
             </a:fld>
             <a:endParaRPr lang="en-US" dirty="0"/>
           </a:p>
@@ -7547,7 +7569,7 @@
           <a:p>
             <a:fld id="{19C9CA7B-DFD4-44B5-8C60-D14B8CD1FB59}" type="datetimeFigureOut">
               <a:rPr lang="en-US" dirty="0"/>
-              <a:t>8/23/2023</a:t>
+              <a:t>8/24/2023</a:t>
             </a:fld>
             <a:endParaRPr lang="en-US" dirty="0"/>
           </a:p>
@@ -8577,7 +8599,7 @@
           <a:p>
             <a:fld id="{F34E6425-0181-43F2-84FC-787E803FD2F8}" type="datetimeFigureOut">
               <a:rPr lang="en-US" dirty="0"/>
-              <a:t>8/23/2023</a:t>
+              <a:t>8/24/2023</a:t>
             </a:fld>
             <a:endParaRPr lang="en-US" dirty="0"/>
           </a:p>
@@ -8845,7 +8867,7 @@
           <a:p>
             <a:fld id="{3BDB8791-F1B0-41E7-B7FD-A781E65C4266}" type="datetimeFigureOut">
               <a:rPr lang="en-US" dirty="0"/>
-              <a:t>8/23/2023</a:t>
+              <a:t>8/24/2023</a:t>
             </a:fld>
             <a:endParaRPr lang="en-US" dirty="0"/>
           </a:p>
@@ -9251,7 +9273,7 @@
           <a:p>
             <a:fld id="{5FDD63B2-E120-4ED8-B27B-C685F510A5FE}" type="datetimeFigureOut">
               <a:rPr lang="en-US" dirty="0"/>
-              <a:t>8/23/2023</a:t>
+              <a:t>8/24/2023</a:t>
             </a:fld>
             <a:endParaRPr lang="en-US" dirty="0"/>
           </a:p>
@@ -9374,7 +9396,7 @@
           <a:p>
             <a:fld id="{7AA18ACC-A947-437B-A130-35BD54FDF1E9}" type="datetimeFigureOut">
               <a:rPr lang="en-US" dirty="0"/>
-              <a:t>8/23/2023</a:t>
+              <a:t>8/24/2023</a:t>
             </a:fld>
             <a:endParaRPr lang="en-US" dirty="0"/>
           </a:p>
@@ -9465,7 +9487,7 @@
           <a:p>
             <a:fld id="{7C8D7E02-BCB8-4D50-A234-369438C08659}" type="datetimeFigureOut">
               <a:rPr lang="en-US" dirty="0"/>
-              <a:t>8/23/2023</a:t>
+              <a:t>8/24/2023</a:t>
             </a:fld>
             <a:endParaRPr lang="en-US" dirty="0"/>
           </a:p>
@@ -10542,7 +10564,7 @@
           <a:p>
             <a:fld id="{76E86A4C-8E40-4F87-A4F0-01A0687C5742}" type="datetimeFigureOut">
               <a:rPr lang="en-US" dirty="0"/>
-              <a:t>8/23/2023</a:t>
+              <a:t>8/24/2023</a:t>
             </a:fld>
             <a:endParaRPr lang="en-US" dirty="0"/>
           </a:p>
@@ -11646,7 +11668,7 @@
           <a:p>
             <a:fld id="{35E72C73-2D91-4E12-BA25-F0AA0C03599B}" type="datetimeFigureOut">
               <a:rPr lang="en-US" dirty="0"/>
-              <a:t>8/23/2023</a:t>
+              <a:t>8/24/2023</a:t>
             </a:fld>
             <a:endParaRPr lang="en-US" dirty="0"/>
           </a:p>
@@ -12639,7 +12661,7 @@
           <a:p>
             <a:fld id="{2BE451C3-0FF4-47C4-B829-773ADF60F88C}" type="datetimeFigureOut">
               <a:rPr lang="en-US" dirty="0"/>
-              <a:t>8/23/2023</a:t>
+              <a:t>8/24/2023</a:t>
             </a:fld>
             <a:endParaRPr lang="en-US" dirty="0"/>
           </a:p>
@@ -13181,6 +13203,14 @@
 <file path=ppt/slides/slide1.xml><?xml version="1.0" encoding="utf-8"?>
 <p:sld xmlns:a="http://schemas.openxmlformats.org/drawingml/2006/main" xmlns:r="http://schemas.openxmlformats.org/officeDocument/2006/relationships" xmlns:p="http://schemas.openxmlformats.org/presentationml/2006/main">
   <p:cSld>
+    <p:bg>
+      <p:bgPr>
+        <a:solidFill>
+          <a:schemeClr val="bg1"/>
+        </a:solidFill>
+        <a:effectLst/>
+      </p:bgPr>
+    </p:bg>
     <p:spTree>
       <p:nvGrpSpPr>
         <p:cNvPr id="1" name=""/>
@@ -13197,6 +13227,503 @@
       </p:grpSpPr>
       <p:sp>
         <p:nvSpPr>
+          <p:cNvPr id="8" name="Freeform 5">
+            <a:extLst>
+              <a:ext uri="{FF2B5EF4-FFF2-40B4-BE49-F238E27FC236}">
+                <a16:creationId xmlns:a16="http://schemas.microsoft.com/office/drawing/2014/main" id="{D22D1B95-2B54-43E9-85D9-B489F6C5DD0F}"/>
+              </a:ext>
+              <a:ext uri="{C183D7F6-B498-43B3-948B-1728B52AA6E4}">
+                <adec:decorative xmlns:adec="http://schemas.microsoft.com/office/drawing/2017/decorative" val="1"/>
+              </a:ext>
+            </a:extLst>
+          </p:cNvPr>
+          <p:cNvSpPr>
+            <a:spLocks noGrp="1" noRot="1" noChangeAspect="1" noMove="1" noResize="1" noEditPoints="1" noAdjustHandles="1" noChangeArrowheads="1" noChangeShapeType="1" noTextEdit="1"/>
+          </p:cNvSpPr>
+          <p:nvPr>
+            <p:extLst>
+              <p:ext uri="{386F3935-93C4-4BCD-93E2-E3B085C9AB24}">
+                <p16:designElem xmlns:p16="http://schemas.microsoft.com/office/powerpoint/2015/main" val="1"/>
+              </p:ext>
+            </p:extLst>
+          </p:nvPr>
+        </p:nvSpPr>
+        <p:spPr bwMode="gray">
+          <a:xfrm rot="21010068">
+            <a:off x="8490951" y="4185117"/>
+            <a:ext cx="3299407" cy="440924"/>
+          </a:xfrm>
+          <a:custGeom>
+            <a:avLst/>
+            <a:gdLst/>
+            <a:ahLst/>
+            <a:cxnLst/>
+            <a:rect l="l" t="t" r="r" b="b"/>
+            <a:pathLst>
+              <a:path w="10000" h="5291">
+                <a:moveTo>
+                  <a:pt x="85" y="2532"/>
+                </a:moveTo>
+                <a:cubicBezTo>
+                  <a:pt x="1736" y="3911"/>
+                  <a:pt x="7524" y="5298"/>
+                  <a:pt x="9958" y="5291"/>
+                </a:cubicBezTo>
+                <a:cubicBezTo>
+                  <a:pt x="9989" y="1958"/>
+                  <a:pt x="9969" y="3333"/>
+                  <a:pt x="10000" y="0"/>
+                </a:cubicBezTo>
+                <a:lnTo>
+                  <a:pt x="10000" y="0"/>
+                </a:lnTo>
+                <a:lnTo>
+                  <a:pt x="9667" y="204"/>
+                </a:lnTo>
+                <a:lnTo>
+                  <a:pt x="9334" y="400"/>
+                </a:lnTo>
+                <a:lnTo>
+                  <a:pt x="9001" y="590"/>
+                </a:lnTo>
+                <a:lnTo>
+                  <a:pt x="8667" y="753"/>
+                </a:lnTo>
+                <a:lnTo>
+                  <a:pt x="8333" y="917"/>
+                </a:lnTo>
+                <a:lnTo>
+                  <a:pt x="7999" y="1071"/>
+                </a:lnTo>
+                <a:lnTo>
+                  <a:pt x="7669" y="1202"/>
+                </a:lnTo>
+                <a:lnTo>
+                  <a:pt x="7333" y="1325"/>
+                </a:lnTo>
+                <a:lnTo>
+                  <a:pt x="7000" y="1440"/>
+                </a:lnTo>
+                <a:lnTo>
+                  <a:pt x="6673" y="1538"/>
+                </a:lnTo>
+                <a:lnTo>
+                  <a:pt x="6340" y="1636"/>
+                </a:lnTo>
+                <a:lnTo>
+                  <a:pt x="6013" y="1719"/>
+                </a:lnTo>
+                <a:lnTo>
+                  <a:pt x="5686" y="1784"/>
+                </a:lnTo>
+                <a:lnTo>
+                  <a:pt x="5359" y="1850"/>
+                </a:lnTo>
+                <a:lnTo>
+                  <a:pt x="5036" y="1906"/>
+                </a:lnTo>
+                <a:lnTo>
+                  <a:pt x="4717" y="1948"/>
+                </a:lnTo>
+                <a:lnTo>
+                  <a:pt x="4396" y="1980"/>
+                </a:lnTo>
+                <a:lnTo>
+                  <a:pt x="4079" y="2013"/>
+                </a:lnTo>
+                <a:lnTo>
+                  <a:pt x="3766" y="2029"/>
+                </a:lnTo>
+                <a:lnTo>
+                  <a:pt x="3454" y="2046"/>
+                </a:lnTo>
+                <a:lnTo>
+                  <a:pt x="3145" y="2053"/>
+                </a:lnTo>
+                <a:lnTo>
+                  <a:pt x="2839" y="2046"/>
+                </a:lnTo>
+                <a:lnTo>
+                  <a:pt x="2537" y="2046"/>
+                </a:lnTo>
+                <a:lnTo>
+                  <a:pt x="2238" y="2029"/>
+                </a:lnTo>
+                <a:lnTo>
+                  <a:pt x="1943" y="2004"/>
+                </a:lnTo>
+                <a:lnTo>
+                  <a:pt x="1653" y="1980"/>
+                </a:lnTo>
+                <a:lnTo>
+                  <a:pt x="1368" y="1955"/>
+                </a:lnTo>
+                <a:lnTo>
+                  <a:pt x="1085" y="1915"/>
+                </a:lnTo>
+                <a:lnTo>
+                  <a:pt x="806" y="1873"/>
+                </a:lnTo>
+                <a:lnTo>
+                  <a:pt x="533" y="1833"/>
+                </a:lnTo>
+                <a:lnTo>
+                  <a:pt x="0" y="1726"/>
+                </a:lnTo>
+                <a:cubicBezTo>
+                  <a:pt x="28" y="1995"/>
+                  <a:pt x="57" y="2263"/>
+                  <a:pt x="85" y="2532"/>
+                </a:cubicBezTo>
+                <a:close/>
+              </a:path>
+            </a:pathLst>
+          </a:custGeom>
+          <a:solidFill>
+            <a:schemeClr val="bg1">
+              <a:alpha val="20000"/>
+            </a:schemeClr>
+          </a:solidFill>
+          <a:ln>
+            <a:noFill/>
+          </a:ln>
+        </p:spPr>
+      </p:sp>
+      <p:sp>
+        <p:nvSpPr>
+          <p:cNvPr id="10" name="Freeform 5">
+            <a:extLst>
+              <a:ext uri="{FF2B5EF4-FFF2-40B4-BE49-F238E27FC236}">
+                <a16:creationId xmlns:a16="http://schemas.microsoft.com/office/drawing/2014/main" id="{7D0F3F6D-A49D-4406-8D61-1C4F8D792F04}"/>
+              </a:ext>
+              <a:ext uri="{C183D7F6-B498-43B3-948B-1728B52AA6E4}">
+                <adec:decorative xmlns:adec="http://schemas.microsoft.com/office/drawing/2017/decorative" val="1"/>
+              </a:ext>
+            </a:extLst>
+          </p:cNvPr>
+          <p:cNvSpPr>
+            <a:spLocks noGrp="1" noRot="1" noChangeAspect="1" noMove="1" noResize="1" noEditPoints="1" noAdjustHandles="1" noChangeArrowheads="1" noChangeShapeType="1" noTextEdit="1"/>
+          </p:cNvSpPr>
+          <p:nvPr>
+            <p:extLst>
+              <p:ext uri="{386F3935-93C4-4BCD-93E2-E3B085C9AB24}">
+                <p16:designElem xmlns:p16="http://schemas.microsoft.com/office/powerpoint/2015/main" val="1"/>
+              </p:ext>
+            </p:extLst>
+          </p:nvPr>
+        </p:nvSpPr>
+        <p:spPr bwMode="gray">
+          <a:xfrm>
+            <a:off x="455612" y="4241801"/>
+            <a:ext cx="11277600" cy="2337161"/>
+          </a:xfrm>
+          <a:custGeom>
+            <a:avLst/>
+            <a:gdLst/>
+            <a:ahLst/>
+            <a:cxnLst/>
+            <a:rect l="l" t="t" r="r" b="b"/>
+            <a:pathLst>
+              <a:path w="10000" h="8000">
+                <a:moveTo>
+                  <a:pt x="0" y="0"/>
+                </a:moveTo>
+                <a:lnTo>
+                  <a:pt x="0" y="7970"/>
+                </a:lnTo>
+                <a:lnTo>
+                  <a:pt x="10000" y="8000"/>
+                </a:lnTo>
+                <a:lnTo>
+                  <a:pt x="10000" y="7"/>
+                </a:lnTo>
+                <a:lnTo>
+                  <a:pt x="10000" y="7"/>
+                </a:lnTo>
+                <a:lnTo>
+                  <a:pt x="9773" y="156"/>
+                </a:lnTo>
+                <a:lnTo>
+                  <a:pt x="9547" y="298"/>
+                </a:lnTo>
+                <a:lnTo>
+                  <a:pt x="9320" y="437"/>
+                </a:lnTo>
+                <a:lnTo>
+                  <a:pt x="9092" y="556"/>
+                </a:lnTo>
+                <a:lnTo>
+                  <a:pt x="8865" y="676"/>
+                </a:lnTo>
+                <a:lnTo>
+                  <a:pt x="8637" y="788"/>
+                </a:lnTo>
+                <a:lnTo>
+                  <a:pt x="8412" y="884"/>
+                </a:lnTo>
+                <a:lnTo>
+                  <a:pt x="8184" y="975"/>
+                </a:lnTo>
+                <a:lnTo>
+                  <a:pt x="7957" y="1058"/>
+                </a:lnTo>
+                <a:lnTo>
+                  <a:pt x="7734" y="1130"/>
+                </a:lnTo>
+                <a:lnTo>
+                  <a:pt x="7508" y="1202"/>
+                </a:lnTo>
+                <a:lnTo>
+                  <a:pt x="7285" y="1262"/>
+                </a:lnTo>
+                <a:lnTo>
+                  <a:pt x="7062" y="1309"/>
+                </a:lnTo>
+                <a:lnTo>
+                  <a:pt x="6840" y="1358"/>
+                </a:lnTo>
+                <a:lnTo>
+                  <a:pt x="6620" y="1399"/>
+                </a:lnTo>
+                <a:lnTo>
+                  <a:pt x="6402" y="1428"/>
+                </a:lnTo>
+                <a:lnTo>
+                  <a:pt x="6184" y="1453"/>
+                </a:lnTo>
+                <a:lnTo>
+                  <a:pt x="5968" y="1477"/>
+                </a:lnTo>
+                <a:lnTo>
+                  <a:pt x="5755" y="1488"/>
+                </a:lnTo>
+                <a:lnTo>
+                  <a:pt x="5542" y="1500"/>
+                </a:lnTo>
+                <a:lnTo>
+                  <a:pt x="5332" y="1506"/>
+                </a:lnTo>
+                <a:lnTo>
+                  <a:pt x="5124" y="1500"/>
+                </a:lnTo>
+                <a:lnTo>
+                  <a:pt x="4918" y="1500"/>
+                </a:lnTo>
+                <a:lnTo>
+                  <a:pt x="4714" y="1488"/>
+                </a:lnTo>
+                <a:lnTo>
+                  <a:pt x="4514" y="1470"/>
+                </a:lnTo>
+                <a:lnTo>
+                  <a:pt x="4316" y="1453"/>
+                </a:lnTo>
+                <a:lnTo>
+                  <a:pt x="4122" y="1434"/>
+                </a:lnTo>
+                <a:lnTo>
+                  <a:pt x="3929" y="1405"/>
+                </a:lnTo>
+                <a:lnTo>
+                  <a:pt x="3739" y="1374"/>
+                </a:lnTo>
+                <a:lnTo>
+                  <a:pt x="3553" y="1346"/>
+                </a:lnTo>
+                <a:lnTo>
+                  <a:pt x="3190" y="1267"/>
+                </a:lnTo>
+                <a:lnTo>
+                  <a:pt x="2842" y="1183"/>
+                </a:lnTo>
+                <a:lnTo>
+                  <a:pt x="2508" y="1095"/>
+                </a:lnTo>
+                <a:lnTo>
+                  <a:pt x="2192" y="998"/>
+                </a:lnTo>
+                <a:lnTo>
+                  <a:pt x="1890" y="897"/>
+                </a:lnTo>
+                <a:lnTo>
+                  <a:pt x="1610" y="788"/>
+                </a:lnTo>
+                <a:lnTo>
+                  <a:pt x="1347" y="681"/>
+                </a:lnTo>
+                <a:lnTo>
+                  <a:pt x="1105" y="574"/>
+                </a:lnTo>
+                <a:lnTo>
+                  <a:pt x="883" y="473"/>
+                </a:lnTo>
+                <a:lnTo>
+                  <a:pt x="686" y="377"/>
+                </a:lnTo>
+                <a:lnTo>
+                  <a:pt x="508" y="286"/>
+                </a:lnTo>
+                <a:lnTo>
+                  <a:pt x="358" y="210"/>
+                </a:lnTo>
+                <a:lnTo>
+                  <a:pt x="232" y="138"/>
+                </a:lnTo>
+                <a:lnTo>
+                  <a:pt x="59" y="35"/>
+                </a:lnTo>
+                <a:lnTo>
+                  <a:pt x="0" y="0"/>
+                </a:lnTo>
+                <a:lnTo>
+                  <a:pt x="0" y="0"/>
+                </a:lnTo>
+                <a:close/>
+              </a:path>
+            </a:pathLst>
+          </a:custGeom>
+          <a:solidFill>
+            <a:schemeClr val="bg1"/>
+          </a:solidFill>
+          <a:ln>
+            <a:noFill/>
+          </a:ln>
+        </p:spPr>
+      </p:sp>
+      <p:sp>
+        <p:nvSpPr>
+          <p:cNvPr id="12" name="Freeform 5">
+            <a:extLst>
+              <a:ext uri="{FF2B5EF4-FFF2-40B4-BE49-F238E27FC236}">
+                <a16:creationId xmlns:a16="http://schemas.microsoft.com/office/drawing/2014/main" id="{D953A318-DA8D-4405-9536-D889E45C5E3E}"/>
+              </a:ext>
+              <a:ext uri="{C183D7F6-B498-43B3-948B-1728B52AA6E4}">
+                <adec:decorative xmlns:adec="http://schemas.microsoft.com/office/drawing/2017/decorative" val="1"/>
+              </a:ext>
+            </a:extLst>
+          </p:cNvPr>
+          <p:cNvSpPr>
+            <a:spLocks noGrp="1" noRot="1" noChangeAspect="1" noMove="1" noResize="1" noEditPoints="1" noAdjustHandles="1" noChangeArrowheads="1" noChangeShapeType="1" noTextEdit="1"/>
+          </p:cNvSpPr>
+          <p:nvPr>
+            <p:extLst>
+              <p:ext uri="{386F3935-93C4-4BCD-93E2-E3B085C9AB24}">
+                <p16:designElem xmlns:p16="http://schemas.microsoft.com/office/powerpoint/2015/main" val="1"/>
+              </p:ext>
+            </p:extLst>
+          </p:nvPr>
+        </p:nvSpPr>
+        <p:spPr bwMode="gray">
+          <a:xfrm>
+            <a:off x="0" y="1587"/>
+            <a:ext cx="12192000" cy="6856413"/>
+          </a:xfrm>
+          <a:custGeom>
+            <a:avLst/>
+            <a:gdLst/>
+            <a:ahLst/>
+            <a:cxnLst/>
+            <a:rect l="0" t="0" r="r" b="b"/>
+            <a:pathLst>
+              <a:path w="15356" h="8638">
+                <a:moveTo>
+                  <a:pt x="0" y="0"/>
+                </a:moveTo>
+                <a:lnTo>
+                  <a:pt x="0" y="8638"/>
+                </a:lnTo>
+                <a:lnTo>
+                  <a:pt x="15356" y="8638"/>
+                </a:lnTo>
+                <a:lnTo>
+                  <a:pt x="15356" y="0"/>
+                </a:lnTo>
+                <a:lnTo>
+                  <a:pt x="0" y="0"/>
+                </a:lnTo>
+                <a:close/>
+                <a:moveTo>
+                  <a:pt x="14748" y="8038"/>
+                </a:moveTo>
+                <a:lnTo>
+                  <a:pt x="600" y="8038"/>
+                </a:lnTo>
+                <a:lnTo>
+                  <a:pt x="600" y="592"/>
+                </a:lnTo>
+                <a:lnTo>
+                  <a:pt x="14748" y="592"/>
+                </a:lnTo>
+                <a:lnTo>
+                  <a:pt x="14748" y="8038"/>
+                </a:lnTo>
+                <a:close/>
+              </a:path>
+            </a:pathLst>
+          </a:custGeom>
+          <a:solidFill>
+            <a:schemeClr val="bg1"/>
+          </a:solidFill>
+          <a:ln>
+            <a:noFill/>
+          </a:ln>
+        </p:spPr>
+      </p:sp>
+      <p:sp>
+        <p:nvSpPr>
+          <p:cNvPr id="14" name="Rectangle 13">
+            <a:extLst>
+              <a:ext uri="{FF2B5EF4-FFF2-40B4-BE49-F238E27FC236}">
+                <a16:creationId xmlns:a16="http://schemas.microsoft.com/office/drawing/2014/main" id="{9E382A3D-2F90-475C-8DF2-F666FEA3425B}"/>
+              </a:ext>
+              <a:ext uri="{C183D7F6-B498-43B3-948B-1728B52AA6E4}">
+                <adec:decorative xmlns:adec="http://schemas.microsoft.com/office/drawing/2017/decorative" val="1"/>
+              </a:ext>
+            </a:extLst>
+          </p:cNvPr>
+          <p:cNvSpPr>
+            <a:spLocks noGrp="1" noRot="1" noChangeAspect="1" noMove="1" noResize="1" noEditPoints="1" noAdjustHandles="1" noChangeArrowheads="1" noChangeShapeType="1" noTextEdit="1"/>
+          </p:cNvSpPr>
+          <p:nvPr>
+            <p:extLst>
+              <p:ext uri="{386F3935-93C4-4BCD-93E2-E3B085C9AB24}">
+                <p16:designElem xmlns:p16="http://schemas.microsoft.com/office/powerpoint/2015/main" val="1"/>
+              </p:ext>
+            </p:extLst>
+          </p:nvPr>
+        </p:nvSpPr>
+        <p:spPr>
+          <a:xfrm>
+            <a:off x="10437812" y="0"/>
+            <a:ext cx="685800" cy="1143000"/>
+          </a:xfrm>
+          <a:prstGeom prst="rect">
+            <a:avLst/>
+          </a:prstGeom>
+          <a:solidFill>
+            <a:schemeClr val="accent1"/>
+          </a:solidFill>
+          <a:ln>
+            <a:noFill/>
+          </a:ln>
+        </p:spPr>
+        <p:style>
+          <a:lnRef idx="1">
+            <a:schemeClr val="accent1"/>
+          </a:lnRef>
+          <a:fillRef idx="3">
+            <a:schemeClr val="accent1"/>
+          </a:fillRef>
+          <a:effectRef idx="2">
+            <a:schemeClr val="accent1"/>
+          </a:effectRef>
+          <a:fontRef idx="minor">
+            <a:schemeClr val="lt1"/>
+          </a:fontRef>
+        </p:style>
+      </p:sp>
+      <p:sp>
+        <p:nvSpPr>
           <p:cNvPr id="2" name="Título 1">
             <a:extLst>
               <a:ext uri="{FF2B5EF4-FFF2-40B4-BE49-F238E27FC236}">
@@ -13211,13 +13738,25 @@
             <p:ph type="ctrTitle"/>
           </p:nvPr>
         </p:nvSpPr>
-        <p:spPr/>
+        <p:spPr>
+          <a:xfrm>
+            <a:off x="1683171" y="1143000"/>
+            <a:ext cx="8825658" cy="3389217"/>
+          </a:xfrm>
+        </p:spPr>
         <p:txBody>
-          <a:bodyPr/>
+          <a:bodyPr anchor="ctr">
+            <a:normAutofit/>
+          </a:bodyPr>
           <a:lstStyle/>
           <a:p>
-            <a:r>
-              <a:rPr lang="pt-BR" dirty="0"/>
+            <a:pPr algn="ctr"/>
+            <a:r>
+              <a:rPr lang="pt-BR" sz="6600">
+                <a:solidFill>
+                  <a:srgbClr val="FFFFFF"/>
+                </a:solidFill>
+              </a:rPr>
               <a:t>Cangaço Dev – 24/08/23</a:t>
             </a:r>
           </a:p>
@@ -13239,13 +13778,25 @@
             <p:ph type="subTitle" idx="1"/>
           </p:nvPr>
         </p:nvSpPr>
-        <p:spPr/>
+        <p:spPr>
+          <a:xfrm>
+            <a:off x="1683171" y="5240851"/>
+            <a:ext cx="8825658" cy="828932"/>
+          </a:xfrm>
+        </p:spPr>
         <p:txBody>
-          <a:bodyPr/>
+          <a:bodyPr>
+            <a:normAutofit/>
+          </a:bodyPr>
           <a:lstStyle/>
           <a:p>
-            <a:r>
-              <a:rPr lang="pt-BR" dirty="0"/>
+            <a:pPr algn="ctr"/>
+            <a:r>
+              <a:rPr lang="pt-BR" sz="2400">
+                <a:solidFill>
+                  <a:schemeClr val="tx2"/>
+                </a:solidFill>
+              </a:rPr>
               <a:t>OFICINA BACKEND (DJANGO)</a:t>
             </a:r>
           </a:p>
@@ -13261,6 +13812,145 @@
   <p:clrMapOvr>
     <a:masterClrMapping/>
   </p:clrMapOvr>
+  <p:timing>
+    <p:tnLst>
+      <p:par>
+        <p:cTn id="1" dur="indefinite" restart="never" nodeType="tmRoot">
+          <p:childTnLst>
+            <p:seq concurrent="1" nextAc="seek">
+              <p:cTn id="2" dur="indefinite" nodeType="mainSeq">
+                <p:childTnLst>
+                  <p:par>
+                    <p:cTn id="3" fill="hold">
+                      <p:stCondLst>
+                        <p:cond delay="indefinite"/>
+                        <p:cond evt="onBegin" delay="0">
+                          <p:tn val="2"/>
+                        </p:cond>
+                      </p:stCondLst>
+                      <p:childTnLst>
+                        <p:par>
+                          <p:cTn id="4" fill="hold">
+                            <p:stCondLst>
+                              <p:cond delay="0"/>
+                            </p:stCondLst>
+                            <p:childTnLst>
+                              <p:par>
+                                <p:cTn id="5" presetID="10" presetClass="entr" presetSubtype="0" fill="hold" grpId="0" nodeType="withEffect">
+                                  <p:stCondLst>
+                                    <p:cond delay="1000"/>
+                                  </p:stCondLst>
+                                  <p:iterate>
+                                    <p:tmPct val="10000"/>
+                                  </p:iterate>
+                                  <p:childTnLst>
+                                    <p:set>
+                                      <p:cBhvr>
+                                        <p:cTn id="6" dur="1" fill="hold">
+                                          <p:stCondLst>
+                                            <p:cond delay="0"/>
+                                          </p:stCondLst>
+                                        </p:cTn>
+                                        <p:tgtEl>
+                                          <p:spTgt spid="3">
+                                            <p:txEl>
+                                              <p:pRg st="0" end="0"/>
+                                            </p:txEl>
+                                          </p:spTgt>
+                                        </p:tgtEl>
+                                        <p:attrNameLst>
+                                          <p:attrName>style.visibility</p:attrName>
+                                        </p:attrNameLst>
+                                      </p:cBhvr>
+                                      <p:to>
+                                        <p:strVal val="visible"/>
+                                      </p:to>
+                                    </p:set>
+                                    <p:animEffect transition="in" filter="fade">
+                                      <p:cBhvr>
+                                        <p:cTn id="7" dur="700"/>
+                                        <p:tgtEl>
+                                          <p:spTgt spid="3">
+                                            <p:txEl>
+                                              <p:pRg st="0" end="0"/>
+                                            </p:txEl>
+                                          </p:spTgt>
+                                        </p:tgtEl>
+                                      </p:cBhvr>
+                                    </p:animEffect>
+                                  </p:childTnLst>
+                                </p:cTn>
+                              </p:par>
+                              <p:par>
+                                <p:cTn id="8" presetID="10" presetClass="entr" presetSubtype="0" fill="hold" grpId="0" nodeType="withEffect">
+                                  <p:stCondLst>
+                                    <p:cond delay="500"/>
+                                  </p:stCondLst>
+                                  <p:iterate>
+                                    <p:tmPct val="10000"/>
+                                  </p:iterate>
+                                  <p:childTnLst>
+                                    <p:set>
+                                      <p:cBhvr>
+                                        <p:cTn id="9" dur="1" fill="hold">
+                                          <p:stCondLst>
+                                            <p:cond delay="0"/>
+                                          </p:stCondLst>
+                                        </p:cTn>
+                                        <p:tgtEl>
+                                          <p:spTgt spid="2"/>
+                                        </p:tgtEl>
+                                        <p:attrNameLst>
+                                          <p:attrName>style.visibility</p:attrName>
+                                        </p:attrNameLst>
+                                      </p:cBhvr>
+                                      <p:to>
+                                        <p:strVal val="visible"/>
+                                      </p:to>
+                                    </p:set>
+                                    <p:animEffect transition="in" filter="fade">
+                                      <p:cBhvr>
+                                        <p:cTn id="10" dur="700"/>
+                                        <p:tgtEl>
+                                          <p:spTgt spid="2"/>
+                                        </p:tgtEl>
+                                      </p:cBhvr>
+                                    </p:animEffect>
+                                  </p:childTnLst>
+                                </p:cTn>
+                              </p:par>
+                            </p:childTnLst>
+                          </p:cTn>
+                        </p:par>
+                      </p:childTnLst>
+                    </p:cTn>
+                  </p:par>
+                </p:childTnLst>
+              </p:cTn>
+              <p:prevCondLst>
+                <p:cond evt="onPrev" delay="0">
+                  <p:tgtEl>
+                    <p:sldTgt/>
+                  </p:tgtEl>
+                </p:cond>
+              </p:prevCondLst>
+              <p:nextCondLst>
+                <p:cond evt="onNext" delay="0">
+                  <p:tgtEl>
+                    <p:sldTgt/>
+                  </p:tgtEl>
+                </p:cond>
+              </p:nextCondLst>
+            </p:seq>
+          </p:childTnLst>
+        </p:cTn>
+      </p:par>
+    </p:tnLst>
+    <p:bldLst>
+      <p:bldP spid="2" grpId="0"/>
+      <p:bldP spid="3" grpId="0" build="p"/>
+    </p:bldLst>
+  </p:timing>
 </p:sld>
 </file>
 
@@ -13530,6 +14220,14 @@
 <file path=ppt/slides/slide12.xml><?xml version="1.0" encoding="utf-8"?>
 <p:sld xmlns:a="http://schemas.openxmlformats.org/drawingml/2006/main" xmlns:r="http://schemas.openxmlformats.org/officeDocument/2006/relationships" xmlns:p="http://schemas.openxmlformats.org/presentationml/2006/main">
   <p:cSld>
+    <p:bg>
+      <p:bgPr>
+        <a:solidFill>
+          <a:schemeClr val="bg1"/>
+        </a:solidFill>
+        <a:effectLst/>
+      </p:bgPr>
+    </p:bg>
     <p:spTree>
       <p:nvGrpSpPr>
         <p:cNvPr id="1" name=""/>
@@ -13560,58 +14258,25 @@
             <p:ph type="title"/>
           </p:nvPr>
         </p:nvSpPr>
-        <p:spPr/>
+        <p:spPr>
+          <a:xfrm>
+            <a:off x="1154954" y="973668"/>
+            <a:ext cx="8761413" cy="706964"/>
+          </a:xfrm>
+        </p:spPr>
         <p:txBody>
-          <a:bodyPr/>
+          <a:bodyPr>
+            <a:normAutofit/>
+          </a:bodyPr>
           <a:lstStyle/>
           <a:p>
             <a:r>
-              <a:rPr lang="pt-BR" dirty="0"/>
+              <a:rPr lang="pt-BR">
+                <a:solidFill>
+                  <a:srgbClr val="EBEBEB"/>
+                </a:solidFill>
+              </a:rPr>
               <a:t>Criando estruturação de pastas</a:t>
-            </a:r>
-          </a:p>
-        </p:txBody>
-      </p:sp>
-      <p:sp>
-        <p:nvSpPr>
-          <p:cNvPr id="3" name="Espaço Reservado para Conteúdo 2">
-            <a:extLst>
-              <a:ext uri="{FF2B5EF4-FFF2-40B4-BE49-F238E27FC236}">
-                <a16:creationId xmlns:a16="http://schemas.microsoft.com/office/drawing/2014/main" id="{4F5B794A-849E-4EB8-9083-07A6C9A37D2A}"/>
-              </a:ext>
-            </a:extLst>
-          </p:cNvPr>
-          <p:cNvSpPr>
-            <a:spLocks noGrp="1"/>
-          </p:cNvSpPr>
-          <p:nvPr>
-            <p:ph idx="1"/>
-          </p:nvPr>
-        </p:nvSpPr>
-        <p:spPr/>
-        <p:txBody>
-          <a:bodyPr/>
-          <a:lstStyle/>
-          <a:p>
-            <a:r>
-              <a:rPr lang="pt-BR" dirty="0"/>
-              <a:t>Dentro da pasta do app criado, iremos criar as pastas “</a:t>
-            </a:r>
-            <a:r>
-              <a:rPr lang="pt-BR" dirty="0" err="1"/>
-              <a:t>static</a:t>
-            </a:r>
-            <a:r>
-              <a:rPr lang="pt-BR" dirty="0"/>
-              <a:t>” e “</a:t>
-            </a:r>
-            <a:r>
-              <a:rPr lang="pt-BR" dirty="0" err="1"/>
-              <a:t>templates</a:t>
-            </a:r>
-            <a:r>
-              <a:rPr lang="pt-BR" dirty="0"/>
-              <a:t>”.</a:t>
             </a:r>
           </a:p>
         </p:txBody>
@@ -13638,8 +14303,234 @@
         </p:blipFill>
         <p:spPr>
           <a:xfrm>
-            <a:off x="4119333" y="3466919"/>
-            <a:ext cx="2896900" cy="2417413"/>
+            <a:off x="1151467" y="3044498"/>
+            <a:ext cx="3031901" cy="2530069"/>
+          </a:xfrm>
+          <a:prstGeom prst="roundRect">
+            <a:avLst>
+              <a:gd name="adj" fmla="val 1858"/>
+            </a:avLst>
+          </a:prstGeom>
+          <a:effectLst>
+            <a:outerShdw blurRad="50800" dist="50800" dir="5400000" algn="tl" rotWithShape="0">
+              <a:srgbClr val="000000">
+                <a:alpha val="43000"/>
+              </a:srgbClr>
+            </a:outerShdw>
+          </a:effectLst>
+        </p:spPr>
+      </p:pic>
+      <p:sp>
+        <p:nvSpPr>
+          <p:cNvPr id="3" name="Espaço Reservado para Conteúdo 2">
+            <a:extLst>
+              <a:ext uri="{FF2B5EF4-FFF2-40B4-BE49-F238E27FC236}">
+                <a16:creationId xmlns:a16="http://schemas.microsoft.com/office/drawing/2014/main" id="{4F5B794A-849E-4EB8-9083-07A6C9A37D2A}"/>
+              </a:ext>
+            </a:extLst>
+          </p:cNvPr>
+          <p:cNvSpPr>
+            <a:spLocks noGrp="1"/>
+          </p:cNvSpPr>
+          <p:nvPr>
+            <p:ph idx="1"/>
+          </p:nvPr>
+        </p:nvSpPr>
+        <p:spPr>
+          <a:xfrm>
+            <a:off x="4641336" y="2603500"/>
+            <a:ext cx="6551597" cy="3416300"/>
+          </a:xfrm>
+        </p:spPr>
+        <p:txBody>
+          <a:bodyPr anchor="ctr">
+            <a:normAutofit/>
+          </a:bodyPr>
+          <a:lstStyle/>
+          <a:p>
+            <a:r>
+              <a:rPr lang="pt-BR" dirty="0"/>
+              <a:t>Dentro da pasta do app criado, iremos criar as pastas “</a:t>
+            </a:r>
+            <a:r>
+              <a:rPr lang="pt-BR" dirty="0" err="1"/>
+              <a:t>static</a:t>
+            </a:r>
+            <a:r>
+              <a:rPr lang="pt-BR" dirty="0"/>
+              <a:t>” e “</a:t>
+            </a:r>
+            <a:r>
+              <a:rPr lang="pt-BR" dirty="0" err="1"/>
+              <a:t>templates</a:t>
+            </a:r>
+            <a:r>
+              <a:rPr lang="pt-BR" dirty="0"/>
+              <a:t>”.</a:t>
+            </a:r>
+          </a:p>
+        </p:txBody>
+      </p:sp>
+    </p:spTree>
+    <p:extLst>
+      <p:ext uri="{BB962C8B-B14F-4D97-AF65-F5344CB8AC3E}">
+        <p14:creationId xmlns:p14="http://schemas.microsoft.com/office/powerpoint/2010/main" val="474673948"/>
+      </p:ext>
+    </p:extLst>
+  </p:cSld>
+  <p:clrMapOvr>
+    <a:masterClrMapping/>
+  </p:clrMapOvr>
+</p:sld>
+</file>
+
+<file path=ppt/slides/slide13.xml><?xml version="1.0" encoding="utf-8"?>
+<p:sld xmlns:a="http://schemas.openxmlformats.org/drawingml/2006/main" xmlns:r="http://schemas.openxmlformats.org/officeDocument/2006/relationships" xmlns:p="http://schemas.openxmlformats.org/presentationml/2006/main">
+  <p:cSld>
+    <p:spTree>
+      <p:nvGrpSpPr>
+        <p:cNvPr id="1" name=""/>
+        <p:cNvGrpSpPr/>
+        <p:nvPr/>
+      </p:nvGrpSpPr>
+      <p:grpSpPr>
+        <a:xfrm>
+          <a:off x="0" y="0"/>
+          <a:ext cx="0" cy="0"/>
+          <a:chOff x="0" y="0"/>
+          <a:chExt cx="0" cy="0"/>
+        </a:xfrm>
+      </p:grpSpPr>
+      <p:sp>
+        <p:nvSpPr>
+          <p:cNvPr id="2" name="Título 1">
+            <a:extLst>
+              <a:ext uri="{FF2B5EF4-FFF2-40B4-BE49-F238E27FC236}">
+                <a16:creationId xmlns:a16="http://schemas.microsoft.com/office/drawing/2014/main" id="{B7321705-8F94-E71D-6A81-2F36719CC4CF}"/>
+              </a:ext>
+            </a:extLst>
+          </p:cNvPr>
+          <p:cNvSpPr>
+            <a:spLocks noGrp="1"/>
+          </p:cNvSpPr>
+          <p:nvPr>
+            <p:ph type="title"/>
+          </p:nvPr>
+        </p:nvSpPr>
+        <p:spPr/>
+        <p:txBody>
+          <a:bodyPr/>
+          <a:lstStyle/>
+          <a:p>
+            <a:r>
+              <a:rPr lang="pt-BR" dirty="0"/>
+              <a:t>Copiar front-</a:t>
+            </a:r>
+            <a:r>
+              <a:rPr lang="pt-BR" dirty="0" err="1"/>
+              <a:t>end</a:t>
+            </a:r>
+            <a:r>
+              <a:rPr lang="pt-BR" dirty="0"/>
+              <a:t> para o </a:t>
+            </a:r>
+            <a:r>
+              <a:rPr lang="pt-BR" dirty="0" err="1"/>
+              <a:t>django</a:t>
+            </a:r>
+            <a:r>
+              <a:rPr lang="pt-BR" dirty="0"/>
+              <a:t>.</a:t>
+            </a:r>
+          </a:p>
+        </p:txBody>
+      </p:sp>
+      <p:sp>
+        <p:nvSpPr>
+          <p:cNvPr id="3" name="Espaço Reservado para Conteúdo 2">
+            <a:extLst>
+              <a:ext uri="{FF2B5EF4-FFF2-40B4-BE49-F238E27FC236}">
+                <a16:creationId xmlns:a16="http://schemas.microsoft.com/office/drawing/2014/main" id="{A9EBFC6E-89DA-AD52-6E66-E4EADCA37D79}"/>
+              </a:ext>
+            </a:extLst>
+          </p:cNvPr>
+          <p:cNvSpPr>
+            <a:spLocks noGrp="1"/>
+          </p:cNvSpPr>
+          <p:nvPr>
+            <p:ph idx="1"/>
+          </p:nvPr>
+        </p:nvSpPr>
+        <p:spPr/>
+        <p:txBody>
+          <a:bodyPr vert="horz" lIns="91440" tIns="45720" rIns="91440" bIns="45720" rtlCol="0" anchor="t">
+            <a:normAutofit/>
+          </a:bodyPr>
+          <a:lstStyle/>
+          <a:p>
+            <a:r>
+              <a:rPr lang="pt-BR" dirty="0"/>
+              <a:t>Iremos copiar o </a:t>
+            </a:r>
+            <a:r>
+              <a:rPr lang="pt-BR" dirty="0" err="1"/>
+              <a:t>conteudo</a:t>
+            </a:r>
+            <a:r>
+              <a:rPr lang="pt-BR" dirty="0"/>
+              <a:t> da pasta "</a:t>
+            </a:r>
+            <a:r>
+              <a:rPr lang="pt-BR" dirty="0" err="1"/>
+              <a:t>src</a:t>
+            </a:r>
+            <a:r>
+              <a:rPr lang="pt-BR" dirty="0"/>
+              <a:t>" para a </a:t>
+            </a:r>
+            <a:r>
+              <a:rPr lang="pt-BR" dirty="0" err="1"/>
+              <a:t>static</a:t>
+            </a:r>
+            <a:r>
+              <a:rPr lang="pt-BR" dirty="0"/>
+              <a:t> que acabamos de criar e o index.html para a pasta </a:t>
+            </a:r>
+            <a:r>
+              <a:rPr lang="pt-BR" dirty="0" err="1"/>
+              <a:t>templates</a:t>
+            </a:r>
+            <a:r>
+              <a:rPr lang="pt-BR" dirty="0"/>
+              <a:t> que também criamos.</a:t>
+            </a:r>
+          </a:p>
+        </p:txBody>
+      </p:sp>
+      <p:pic>
+        <p:nvPicPr>
+          <p:cNvPr id="4" name="Imagem 3" descr="Interface gráfica do usuário, Texto&#10;&#10;Descrição gerada automaticamente">
+            <a:extLst>
+              <a:ext uri="{FF2B5EF4-FFF2-40B4-BE49-F238E27FC236}">
+                <a16:creationId xmlns:a16="http://schemas.microsoft.com/office/drawing/2014/main" id="{E2F60D90-EFA5-5AB7-66A2-07029E6D18C9}"/>
+              </a:ext>
+            </a:extLst>
+          </p:cNvPr>
+          <p:cNvPicPr>
+            <a:picLocks noChangeAspect="1"/>
+          </p:cNvPicPr>
+          <p:nvPr/>
+        </p:nvPicPr>
+        <p:blipFill>
+          <a:blip r:embed="rId2"/>
+          <a:stretch>
+            <a:fillRect/>
+          </a:stretch>
+        </p:blipFill>
+        <p:spPr>
+          <a:xfrm>
+            <a:off x="4484029" y="3584187"/>
+            <a:ext cx="3223942" cy="2953288"/>
           </a:xfrm>
           <a:prstGeom prst="rect">
             <a:avLst/>
@@ -13649,7 +14540,1140 @@
     </p:spTree>
     <p:extLst>
       <p:ext uri="{BB962C8B-B14F-4D97-AF65-F5344CB8AC3E}">
-        <p14:creationId xmlns:p14="http://schemas.microsoft.com/office/powerpoint/2010/main" val="474673948"/>
+        <p14:creationId xmlns:p14="http://schemas.microsoft.com/office/powerpoint/2010/main" val="3409228219"/>
+      </p:ext>
+    </p:extLst>
+  </p:cSld>
+  <p:clrMapOvr>
+    <a:masterClrMapping/>
+  </p:clrMapOvr>
+</p:sld>
+</file>
+
+<file path=ppt/slides/slide14.xml><?xml version="1.0" encoding="utf-8"?>
+<p:sld xmlns:a="http://schemas.openxmlformats.org/drawingml/2006/main" xmlns:r="http://schemas.openxmlformats.org/officeDocument/2006/relationships" xmlns:p="http://schemas.openxmlformats.org/presentationml/2006/main">
+  <p:cSld>
+    <p:spTree>
+      <p:nvGrpSpPr>
+        <p:cNvPr id="1" name=""/>
+        <p:cNvGrpSpPr/>
+        <p:nvPr/>
+      </p:nvGrpSpPr>
+      <p:grpSpPr>
+        <a:xfrm>
+          <a:off x="0" y="0"/>
+          <a:ext cx="0" cy="0"/>
+          <a:chOff x="0" y="0"/>
+          <a:chExt cx="0" cy="0"/>
+        </a:xfrm>
+      </p:grpSpPr>
+      <p:sp>
+        <p:nvSpPr>
+          <p:cNvPr id="2" name="Título 1">
+            <a:extLst>
+              <a:ext uri="{FF2B5EF4-FFF2-40B4-BE49-F238E27FC236}">
+                <a16:creationId xmlns:a16="http://schemas.microsoft.com/office/drawing/2014/main" id="{AF9EBF0F-0AD6-E0D5-66AF-1A83732546E3}"/>
+              </a:ext>
+            </a:extLst>
+          </p:cNvPr>
+          <p:cNvSpPr>
+            <a:spLocks noGrp="1"/>
+          </p:cNvSpPr>
+          <p:nvPr>
+            <p:ph type="title"/>
+          </p:nvPr>
+        </p:nvSpPr>
+        <p:spPr/>
+        <p:txBody>
+          <a:bodyPr/>
+          <a:lstStyle/>
+          <a:p>
+            <a:r>
+              <a:rPr lang="pt-BR" dirty="0"/>
+              <a:t>Criando nossa primeira </a:t>
+            </a:r>
+            <a:r>
+              <a:rPr lang="pt-BR" dirty="0" err="1"/>
+              <a:t>view</a:t>
+            </a:r>
+            <a:r>
+              <a:rPr lang="pt-BR" dirty="0"/>
+              <a:t>.</a:t>
+            </a:r>
+          </a:p>
+        </p:txBody>
+      </p:sp>
+      <p:sp>
+        <p:nvSpPr>
+          <p:cNvPr id="3" name="Espaço Reservado para Conteúdo 2">
+            <a:extLst>
+              <a:ext uri="{FF2B5EF4-FFF2-40B4-BE49-F238E27FC236}">
+                <a16:creationId xmlns:a16="http://schemas.microsoft.com/office/drawing/2014/main" id="{1E1C2678-DA66-F06C-20F6-2F5654C4393C}"/>
+              </a:ext>
+            </a:extLst>
+          </p:cNvPr>
+          <p:cNvSpPr>
+            <a:spLocks noGrp="1"/>
+          </p:cNvSpPr>
+          <p:nvPr>
+            <p:ph idx="1"/>
+          </p:nvPr>
+        </p:nvSpPr>
+        <p:spPr/>
+        <p:txBody>
+          <a:bodyPr vert="horz" lIns="91440" tIns="45720" rIns="91440" bIns="45720" rtlCol="0" anchor="t">
+            <a:normAutofit/>
+          </a:bodyPr>
+          <a:lstStyle/>
+          <a:p>
+            <a:r>
+              <a:rPr lang="pt-BR" dirty="0"/>
+              <a:t>Agora para criar nossa primeira </a:t>
+            </a:r>
+            <a:r>
+              <a:rPr lang="pt-BR" dirty="0" err="1"/>
+              <a:t>view</a:t>
+            </a:r>
+            <a:r>
+              <a:rPr lang="pt-BR" dirty="0"/>
+              <a:t> (que seria definição da nossa </a:t>
+            </a:r>
+            <a:r>
+              <a:rPr lang="pt-BR" dirty="0" err="1"/>
+              <a:t>pagina</a:t>
+            </a:r>
+            <a:r>
+              <a:rPr lang="pt-BR" dirty="0"/>
+              <a:t>) iremos ao arquivo views.py do app que criamos.</a:t>
+            </a:r>
+          </a:p>
+        </p:txBody>
+      </p:sp>
+      <p:pic>
+        <p:nvPicPr>
+          <p:cNvPr id="5" name="Imagem 4" descr="Texto&#10;&#10;Descrição gerada automaticamente">
+            <a:extLst>
+              <a:ext uri="{FF2B5EF4-FFF2-40B4-BE49-F238E27FC236}">
+                <a16:creationId xmlns:a16="http://schemas.microsoft.com/office/drawing/2014/main" id="{9B1D8946-DAF1-A9A7-88DB-B7F201FE55BA}"/>
+              </a:ext>
+            </a:extLst>
+          </p:cNvPr>
+          <p:cNvPicPr>
+            <a:picLocks noChangeAspect="1"/>
+          </p:cNvPicPr>
+          <p:nvPr/>
+        </p:nvPicPr>
+        <p:blipFill>
+          <a:blip r:embed="rId2"/>
+          <a:stretch>
+            <a:fillRect/>
+          </a:stretch>
+        </p:blipFill>
+        <p:spPr>
+          <a:xfrm>
+            <a:off x="1863306" y="3429817"/>
+            <a:ext cx="8134709" cy="3218894"/>
+          </a:xfrm>
+          <a:prstGeom prst="rect">
+            <a:avLst/>
+          </a:prstGeom>
+        </p:spPr>
+      </p:pic>
+    </p:spTree>
+    <p:extLst>
+      <p:ext uri="{BB962C8B-B14F-4D97-AF65-F5344CB8AC3E}">
+        <p14:creationId xmlns:p14="http://schemas.microsoft.com/office/powerpoint/2010/main" val="525378629"/>
+      </p:ext>
+    </p:extLst>
+  </p:cSld>
+  <p:clrMapOvr>
+    <a:masterClrMapping/>
+  </p:clrMapOvr>
+</p:sld>
+</file>
+
+<file path=ppt/slides/slide15.xml><?xml version="1.0" encoding="utf-8"?>
+<p:sld xmlns:a="http://schemas.openxmlformats.org/drawingml/2006/main" xmlns:r="http://schemas.openxmlformats.org/officeDocument/2006/relationships" xmlns:p="http://schemas.openxmlformats.org/presentationml/2006/main">
+  <p:cSld>
+    <p:spTree>
+      <p:nvGrpSpPr>
+        <p:cNvPr id="1" name=""/>
+        <p:cNvGrpSpPr/>
+        <p:nvPr/>
+      </p:nvGrpSpPr>
+      <p:grpSpPr>
+        <a:xfrm>
+          <a:off x="0" y="0"/>
+          <a:ext cx="0" cy="0"/>
+          <a:chOff x="0" y="0"/>
+          <a:chExt cx="0" cy="0"/>
+        </a:xfrm>
+      </p:grpSpPr>
+      <p:sp>
+        <p:nvSpPr>
+          <p:cNvPr id="2" name="Título 1">
+            <a:extLst>
+              <a:ext uri="{FF2B5EF4-FFF2-40B4-BE49-F238E27FC236}">
+                <a16:creationId xmlns:a16="http://schemas.microsoft.com/office/drawing/2014/main" id="{DB76B809-50A6-1E34-9D2D-843FE053D4F2}"/>
+              </a:ext>
+            </a:extLst>
+          </p:cNvPr>
+          <p:cNvSpPr>
+            <a:spLocks noGrp="1"/>
+          </p:cNvSpPr>
+          <p:nvPr>
+            <p:ph type="title"/>
+          </p:nvPr>
+        </p:nvSpPr>
+        <p:spPr/>
+        <p:txBody>
+          <a:bodyPr/>
+          <a:lstStyle/>
+          <a:p>
+            <a:r>
+              <a:rPr lang="pt-BR" dirty="0"/>
+              <a:t>Registrando nossa </a:t>
+            </a:r>
+            <a:r>
+              <a:rPr lang="pt-BR" dirty="0" err="1"/>
+              <a:t>view</a:t>
+            </a:r>
+            <a:r>
+              <a:rPr lang="pt-BR" dirty="0"/>
+              <a:t> no urls.py</a:t>
+            </a:r>
+          </a:p>
+        </p:txBody>
+      </p:sp>
+      <p:sp>
+        <p:nvSpPr>
+          <p:cNvPr id="3" name="Espaço Reservado para Conteúdo 2">
+            <a:extLst>
+              <a:ext uri="{FF2B5EF4-FFF2-40B4-BE49-F238E27FC236}">
+                <a16:creationId xmlns:a16="http://schemas.microsoft.com/office/drawing/2014/main" id="{0805CF92-4448-44A4-BFCE-568EA63E44C0}"/>
+              </a:ext>
+            </a:extLst>
+          </p:cNvPr>
+          <p:cNvSpPr>
+            <a:spLocks noGrp="1"/>
+          </p:cNvSpPr>
+          <p:nvPr>
+            <p:ph idx="1"/>
+          </p:nvPr>
+        </p:nvSpPr>
+        <p:spPr/>
+        <p:txBody>
+          <a:bodyPr vert="horz" lIns="91440" tIns="45720" rIns="91440" bIns="45720" rtlCol="0" anchor="t">
+            <a:normAutofit/>
+          </a:bodyPr>
+          <a:lstStyle/>
+          <a:p>
+            <a:r>
+              <a:rPr lang="pt-BR" dirty="0"/>
+              <a:t>Vamos ao arquivo urls.py do projeto que criamos.</a:t>
+            </a:r>
+          </a:p>
+        </p:txBody>
+      </p:sp>
+      <p:pic>
+        <p:nvPicPr>
+          <p:cNvPr id="4" name="Imagem 3" descr="Texto&#10;&#10;Descrição gerada automaticamente">
+            <a:extLst>
+              <a:ext uri="{FF2B5EF4-FFF2-40B4-BE49-F238E27FC236}">
+                <a16:creationId xmlns:a16="http://schemas.microsoft.com/office/drawing/2014/main" id="{89C33044-110C-21A8-E0A7-425EAC137884}"/>
+              </a:ext>
+            </a:extLst>
+          </p:cNvPr>
+          <p:cNvPicPr>
+            <a:picLocks noChangeAspect="1"/>
+          </p:cNvPicPr>
+          <p:nvPr/>
+        </p:nvPicPr>
+        <p:blipFill>
+          <a:blip r:embed="rId2"/>
+          <a:stretch>
+            <a:fillRect/>
+          </a:stretch>
+        </p:blipFill>
+        <p:spPr>
+          <a:xfrm>
+            <a:off x="2208362" y="3314616"/>
+            <a:ext cx="7329577" cy="3132992"/>
+          </a:xfrm>
+          <a:prstGeom prst="rect">
+            <a:avLst/>
+          </a:prstGeom>
+        </p:spPr>
+      </p:pic>
+    </p:spTree>
+    <p:extLst>
+      <p:ext uri="{BB962C8B-B14F-4D97-AF65-F5344CB8AC3E}">
+        <p14:creationId xmlns:p14="http://schemas.microsoft.com/office/powerpoint/2010/main" val="2303492709"/>
+      </p:ext>
+    </p:extLst>
+  </p:cSld>
+  <p:clrMapOvr>
+    <a:masterClrMapping/>
+  </p:clrMapOvr>
+</p:sld>
+</file>
+
+<file path=ppt/slides/slide16.xml><?xml version="1.0" encoding="utf-8"?>
+<p:sld xmlns:a="http://schemas.openxmlformats.org/drawingml/2006/main" xmlns:r="http://schemas.openxmlformats.org/officeDocument/2006/relationships" xmlns:p="http://schemas.openxmlformats.org/presentationml/2006/main">
+  <p:cSld>
+    <p:spTree>
+      <p:nvGrpSpPr>
+        <p:cNvPr id="1" name=""/>
+        <p:cNvGrpSpPr/>
+        <p:nvPr/>
+      </p:nvGrpSpPr>
+      <p:grpSpPr>
+        <a:xfrm>
+          <a:off x="0" y="0"/>
+          <a:ext cx="0" cy="0"/>
+          <a:chOff x="0" y="0"/>
+          <a:chExt cx="0" cy="0"/>
+        </a:xfrm>
+      </p:grpSpPr>
+      <p:sp>
+        <p:nvSpPr>
+          <p:cNvPr id="2" name="Título 1">
+            <a:extLst>
+              <a:ext uri="{FF2B5EF4-FFF2-40B4-BE49-F238E27FC236}">
+                <a16:creationId xmlns:a16="http://schemas.microsoft.com/office/drawing/2014/main" id="{978D1B60-E937-4FAE-6BD1-5E895E2B3944}"/>
+              </a:ext>
+            </a:extLst>
+          </p:cNvPr>
+          <p:cNvSpPr>
+            <a:spLocks noGrp="1"/>
+          </p:cNvSpPr>
+          <p:nvPr>
+            <p:ph type="title"/>
+          </p:nvPr>
+        </p:nvSpPr>
+        <p:spPr/>
+        <p:txBody>
+          <a:bodyPr/>
+          <a:lstStyle/>
+          <a:p>
+            <a:r>
+              <a:rPr lang="pt-BR" dirty="0"/>
+              <a:t>Criando usuário do painel de admin.</a:t>
+            </a:r>
+          </a:p>
+        </p:txBody>
+      </p:sp>
+      <p:sp>
+        <p:nvSpPr>
+          <p:cNvPr id="3" name="Espaço Reservado para Conteúdo 2">
+            <a:extLst>
+              <a:ext uri="{FF2B5EF4-FFF2-40B4-BE49-F238E27FC236}">
+                <a16:creationId xmlns:a16="http://schemas.microsoft.com/office/drawing/2014/main" id="{142C01EE-2691-480B-0EEA-322367F8E91F}"/>
+              </a:ext>
+            </a:extLst>
+          </p:cNvPr>
+          <p:cNvSpPr>
+            <a:spLocks noGrp="1"/>
+          </p:cNvSpPr>
+          <p:nvPr>
+            <p:ph idx="1"/>
+          </p:nvPr>
+        </p:nvSpPr>
+        <p:spPr/>
+        <p:txBody>
+          <a:bodyPr vert="horz" lIns="91440" tIns="45720" rIns="91440" bIns="45720" rtlCol="0" anchor="t">
+            <a:normAutofit/>
+          </a:bodyPr>
+          <a:lstStyle/>
+          <a:p>
+            <a:r>
+              <a:rPr lang="pt-BR" sz="2400" dirty="0"/>
+              <a:t>Usaremos o comando "</a:t>
+            </a:r>
+            <a:r>
+              <a:rPr lang="pt-BR" sz="2400" b="1" err="1"/>
+              <a:t>py</a:t>
+            </a:r>
+            <a:r>
+              <a:rPr lang="pt-BR" sz="2400" b="1" dirty="0"/>
+              <a:t> manage.py </a:t>
+            </a:r>
+            <a:r>
+              <a:rPr lang="pt-BR" sz="2400" b="1" err="1"/>
+              <a:t>createsuperuser</a:t>
+            </a:r>
+            <a:r>
+              <a:rPr lang="pt-BR" sz="2400" dirty="0"/>
+              <a:t>"</a:t>
+            </a:r>
+          </a:p>
+        </p:txBody>
+      </p:sp>
+      <p:pic>
+        <p:nvPicPr>
+          <p:cNvPr id="4" name="Imagem 3" descr="Texto&#10;&#10;Descrição gerada automaticamente">
+            <a:extLst>
+              <a:ext uri="{FF2B5EF4-FFF2-40B4-BE49-F238E27FC236}">
+                <a16:creationId xmlns:a16="http://schemas.microsoft.com/office/drawing/2014/main" id="{FBE0FEB9-7CE2-D20A-CCC0-F6F4143EF7FD}"/>
+              </a:ext>
+            </a:extLst>
+          </p:cNvPr>
+          <p:cNvPicPr>
+            <a:picLocks noChangeAspect="1"/>
+          </p:cNvPicPr>
+          <p:nvPr/>
+        </p:nvPicPr>
+        <p:blipFill>
+          <a:blip r:embed="rId2"/>
+          <a:stretch>
+            <a:fillRect/>
+          </a:stretch>
+        </p:blipFill>
+        <p:spPr>
+          <a:xfrm>
+            <a:off x="1446363" y="3604528"/>
+            <a:ext cx="9299274" cy="2984492"/>
+          </a:xfrm>
+          <a:prstGeom prst="rect">
+            <a:avLst/>
+          </a:prstGeom>
+        </p:spPr>
+      </p:pic>
+    </p:spTree>
+    <p:extLst>
+      <p:ext uri="{BB962C8B-B14F-4D97-AF65-F5344CB8AC3E}">
+        <p14:creationId xmlns:p14="http://schemas.microsoft.com/office/powerpoint/2010/main" val="1701792207"/>
+      </p:ext>
+    </p:extLst>
+  </p:cSld>
+  <p:clrMapOvr>
+    <a:masterClrMapping/>
+  </p:clrMapOvr>
+</p:sld>
+</file>
+
+<file path=ppt/slides/slide17.xml><?xml version="1.0" encoding="utf-8"?>
+<p:sld xmlns:a="http://schemas.openxmlformats.org/drawingml/2006/main" xmlns:r="http://schemas.openxmlformats.org/officeDocument/2006/relationships" xmlns:p="http://schemas.openxmlformats.org/presentationml/2006/main">
+  <p:cSld>
+    <p:spTree>
+      <p:nvGrpSpPr>
+        <p:cNvPr id="1" name=""/>
+        <p:cNvGrpSpPr/>
+        <p:nvPr/>
+      </p:nvGrpSpPr>
+      <p:grpSpPr>
+        <a:xfrm>
+          <a:off x="0" y="0"/>
+          <a:ext cx="0" cy="0"/>
+          <a:chOff x="0" y="0"/>
+          <a:chExt cx="0" cy="0"/>
+        </a:xfrm>
+      </p:grpSpPr>
+      <p:sp>
+        <p:nvSpPr>
+          <p:cNvPr id="2" name="Título 1">
+            <a:extLst>
+              <a:ext uri="{FF2B5EF4-FFF2-40B4-BE49-F238E27FC236}">
+                <a16:creationId xmlns:a16="http://schemas.microsoft.com/office/drawing/2014/main" id="{F7D9720A-BC21-BFB0-89ED-E607CEE91470}"/>
+              </a:ext>
+            </a:extLst>
+          </p:cNvPr>
+          <p:cNvSpPr>
+            <a:spLocks noGrp="1"/>
+          </p:cNvSpPr>
+          <p:nvPr>
+            <p:ph type="title"/>
+          </p:nvPr>
+        </p:nvSpPr>
+        <p:spPr/>
+        <p:txBody>
+          <a:bodyPr/>
+          <a:lstStyle/>
+          <a:p>
+            <a:r>
+              <a:rPr lang="pt-BR" dirty="0"/>
+              <a:t>Abrindo nosso site.</a:t>
+            </a:r>
+          </a:p>
+        </p:txBody>
+      </p:sp>
+      <p:sp>
+        <p:nvSpPr>
+          <p:cNvPr id="3" name="Espaço Reservado para Conteúdo 2">
+            <a:extLst>
+              <a:ext uri="{FF2B5EF4-FFF2-40B4-BE49-F238E27FC236}">
+                <a16:creationId xmlns:a16="http://schemas.microsoft.com/office/drawing/2014/main" id="{9129361F-2DA9-8B48-1DB7-30BC03BDA12A}"/>
+              </a:ext>
+            </a:extLst>
+          </p:cNvPr>
+          <p:cNvSpPr>
+            <a:spLocks noGrp="1"/>
+          </p:cNvSpPr>
+          <p:nvPr>
+            <p:ph idx="1"/>
+          </p:nvPr>
+        </p:nvSpPr>
+        <p:spPr/>
+        <p:txBody>
+          <a:bodyPr vert="horz" lIns="91440" tIns="45720" rIns="91440" bIns="45720" rtlCol="0" anchor="t">
+            <a:normAutofit/>
+          </a:bodyPr>
+          <a:lstStyle/>
+          <a:p>
+            <a:r>
+              <a:rPr lang="pt-BR" sz="2400" dirty="0"/>
+              <a:t>Para executar nosso site com o </a:t>
+            </a:r>
+            <a:r>
+              <a:rPr lang="pt-BR" sz="2400" err="1"/>
+              <a:t>backend</a:t>
+            </a:r>
+            <a:r>
+              <a:rPr lang="pt-BR" sz="2400" dirty="0"/>
+              <a:t> usaremos o comando "</a:t>
+            </a:r>
+            <a:r>
+              <a:rPr lang="pt-BR" sz="2400" b="1" err="1"/>
+              <a:t>py</a:t>
+            </a:r>
+            <a:r>
+              <a:rPr lang="pt-BR" sz="2400" b="1" dirty="0"/>
+              <a:t> manage.py </a:t>
+            </a:r>
+            <a:r>
+              <a:rPr lang="pt-BR" sz="2400" b="1" err="1"/>
+              <a:t>runserver</a:t>
+            </a:r>
+            <a:r>
+              <a:rPr lang="pt-BR" sz="2400" dirty="0"/>
+              <a:t>"</a:t>
+            </a:r>
+          </a:p>
+        </p:txBody>
+      </p:sp>
+      <p:pic>
+        <p:nvPicPr>
+          <p:cNvPr id="6" name="Imagem 5" descr="Texto&#10;&#10;Descrição gerada automaticamente">
+            <a:extLst>
+              <a:ext uri="{FF2B5EF4-FFF2-40B4-BE49-F238E27FC236}">
+                <a16:creationId xmlns:a16="http://schemas.microsoft.com/office/drawing/2014/main" id="{BB053169-9582-9373-C5A5-FFCAE6453D99}"/>
+              </a:ext>
+            </a:extLst>
+          </p:cNvPr>
+          <p:cNvPicPr>
+            <a:picLocks noChangeAspect="1"/>
+          </p:cNvPicPr>
+          <p:nvPr/>
+        </p:nvPicPr>
+        <p:blipFill>
+          <a:blip r:embed="rId2"/>
+          <a:stretch>
+            <a:fillRect/>
+          </a:stretch>
+        </p:blipFill>
+        <p:spPr>
+          <a:xfrm>
+            <a:off x="1719532" y="3912941"/>
+            <a:ext cx="7660256" cy="2525816"/>
+          </a:xfrm>
+          <a:prstGeom prst="rect">
+            <a:avLst/>
+          </a:prstGeom>
+        </p:spPr>
+      </p:pic>
+    </p:spTree>
+    <p:extLst>
+      <p:ext uri="{BB962C8B-B14F-4D97-AF65-F5344CB8AC3E}">
+        <p14:creationId xmlns:p14="http://schemas.microsoft.com/office/powerpoint/2010/main" val="3344164728"/>
+      </p:ext>
+    </p:extLst>
+  </p:cSld>
+  <p:clrMapOvr>
+    <a:masterClrMapping/>
+  </p:clrMapOvr>
+</p:sld>
+</file>
+
+<file path=ppt/slides/slide18.xml><?xml version="1.0" encoding="utf-8"?>
+<p:sld xmlns:a="http://schemas.openxmlformats.org/drawingml/2006/main" xmlns:r="http://schemas.openxmlformats.org/officeDocument/2006/relationships" xmlns:p="http://schemas.openxmlformats.org/presentationml/2006/main">
+  <p:cSld>
+    <p:bg>
+      <p:bgPr>
+        <a:solidFill>
+          <a:schemeClr val="bg1"/>
+        </a:solidFill>
+        <a:effectLst/>
+      </p:bgPr>
+    </p:bg>
+    <p:spTree>
+      <p:nvGrpSpPr>
+        <p:cNvPr id="1" name=""/>
+        <p:cNvGrpSpPr/>
+        <p:nvPr/>
+      </p:nvGrpSpPr>
+      <p:grpSpPr>
+        <a:xfrm>
+          <a:off x="0" y="0"/>
+          <a:ext cx="0" cy="0"/>
+          <a:chOff x="0" y="0"/>
+          <a:chExt cx="0" cy="0"/>
+        </a:xfrm>
+      </p:grpSpPr>
+      <p:sp>
+        <p:nvSpPr>
+          <p:cNvPr id="11" name="Freeform 5">
+            <a:extLst>
+              <a:ext uri="{FF2B5EF4-FFF2-40B4-BE49-F238E27FC236}">
+                <a16:creationId xmlns:a16="http://schemas.microsoft.com/office/drawing/2014/main" id="{052F6DBF-1805-4FD9-AFA3-C8642175FC96}"/>
+              </a:ext>
+              <a:ext uri="{C183D7F6-B498-43B3-948B-1728B52AA6E4}">
+                <adec:decorative xmlns:adec="http://schemas.microsoft.com/office/drawing/2017/decorative" val="1"/>
+              </a:ext>
+            </a:extLst>
+          </p:cNvPr>
+          <p:cNvSpPr>
+            <a:spLocks noGrp="1" noRot="1" noChangeAspect="1" noMove="1" noResize="1" noEditPoints="1" noAdjustHandles="1" noChangeArrowheads="1" noChangeShapeType="1" noTextEdit="1"/>
+          </p:cNvSpPr>
+          <p:nvPr>
+            <p:extLst>
+              <p:ext uri="{386F3935-93C4-4BCD-93E2-E3B085C9AB24}">
+                <p16:designElem xmlns:p16="http://schemas.microsoft.com/office/powerpoint/2015/main" val="1"/>
+              </p:ext>
+            </p:extLst>
+          </p:nvPr>
+        </p:nvSpPr>
+        <p:spPr bwMode="gray">
+          <a:xfrm>
+            <a:off x="0" y="794"/>
+            <a:ext cx="12192000" cy="6856413"/>
+          </a:xfrm>
+          <a:custGeom>
+            <a:avLst/>
+            <a:gdLst/>
+            <a:ahLst/>
+            <a:cxnLst/>
+            <a:rect l="0" t="0" r="r" b="b"/>
+            <a:pathLst>
+              <a:path w="15356" h="8638">
+                <a:moveTo>
+                  <a:pt x="0" y="0"/>
+                </a:moveTo>
+                <a:lnTo>
+                  <a:pt x="0" y="8638"/>
+                </a:lnTo>
+                <a:lnTo>
+                  <a:pt x="15356" y="8638"/>
+                </a:lnTo>
+                <a:lnTo>
+                  <a:pt x="15356" y="0"/>
+                </a:lnTo>
+                <a:lnTo>
+                  <a:pt x="0" y="0"/>
+                </a:lnTo>
+                <a:close/>
+                <a:moveTo>
+                  <a:pt x="14748" y="8038"/>
+                </a:moveTo>
+                <a:lnTo>
+                  <a:pt x="600" y="8038"/>
+                </a:lnTo>
+                <a:lnTo>
+                  <a:pt x="600" y="592"/>
+                </a:lnTo>
+                <a:lnTo>
+                  <a:pt x="14748" y="592"/>
+                </a:lnTo>
+                <a:lnTo>
+                  <a:pt x="14748" y="8038"/>
+                </a:lnTo>
+                <a:close/>
+              </a:path>
+            </a:pathLst>
+          </a:custGeom>
+          <a:solidFill>
+            <a:schemeClr val="tx1"/>
+          </a:solidFill>
+          <a:ln>
+            <a:noFill/>
+          </a:ln>
+        </p:spPr>
+      </p:sp>
+      <p:pic>
+        <p:nvPicPr>
+          <p:cNvPr id="4" name="Espaço Reservado para Conteúdo 3" descr="Interface gráfica do usuário, Texto, Aplicativo, Email&#10;&#10;Descrição gerada automaticamente">
+            <a:extLst>
+              <a:ext uri="{FF2B5EF4-FFF2-40B4-BE49-F238E27FC236}">
+                <a16:creationId xmlns:a16="http://schemas.microsoft.com/office/drawing/2014/main" id="{2983DA56-26D2-21E7-6335-6449B8B1B108}"/>
+              </a:ext>
+            </a:extLst>
+          </p:cNvPr>
+          <p:cNvPicPr>
+            <a:picLocks noChangeAspect="1"/>
+          </p:cNvPicPr>
+          <p:nvPr/>
+        </p:nvPicPr>
+        <p:blipFill rotWithShape="1">
+          <a:blip r:embed="rId2">
+            <a:alphaModFix/>
+          </a:blip>
+          <a:srcRect r="4116" b="1"/>
+          <a:stretch/>
+        </p:blipFill>
+        <p:spPr>
+          <a:xfrm>
+            <a:off x="474132" y="462116"/>
+            <a:ext cx="11243735" cy="5921751"/>
+          </a:xfrm>
+          <a:prstGeom prst="rect">
+            <a:avLst/>
+          </a:prstGeom>
+        </p:spPr>
+      </p:pic>
+      <p:sp>
+        <p:nvSpPr>
+          <p:cNvPr id="13" name="Rectangle 12">
+            <a:extLst>
+              <a:ext uri="{FF2B5EF4-FFF2-40B4-BE49-F238E27FC236}">
+                <a16:creationId xmlns:a16="http://schemas.microsoft.com/office/drawing/2014/main" id="{CC79B2C4-EF9C-492F-BC64-5300A7A2F2DB}"/>
+              </a:ext>
+              <a:ext uri="{C183D7F6-B498-43B3-948B-1728B52AA6E4}">
+                <adec:decorative xmlns:adec="http://schemas.microsoft.com/office/drawing/2017/decorative" val="1"/>
+              </a:ext>
+            </a:extLst>
+          </p:cNvPr>
+          <p:cNvSpPr>
+            <a:spLocks noGrp="1" noRot="1" noChangeAspect="1" noMove="1" noResize="1" noEditPoints="1" noAdjustHandles="1" noChangeArrowheads="1" noChangeShapeType="1" noTextEdit="1"/>
+          </p:cNvSpPr>
+          <p:nvPr>
+            <p:extLst>
+              <p:ext uri="{386F3935-93C4-4BCD-93E2-E3B085C9AB24}">
+                <p16:designElem xmlns:p16="http://schemas.microsoft.com/office/powerpoint/2015/main" val="1"/>
+              </p:ext>
+            </p:extLst>
+          </p:nvPr>
+        </p:nvSpPr>
+        <p:spPr>
+          <a:xfrm>
+            <a:off x="10437812" y="0"/>
+            <a:ext cx="685800" cy="1143000"/>
+          </a:xfrm>
+          <a:prstGeom prst="rect">
+            <a:avLst/>
+          </a:prstGeom>
+          <a:solidFill>
+            <a:schemeClr val="accent1"/>
+          </a:solidFill>
+          <a:ln>
+            <a:noFill/>
+          </a:ln>
+        </p:spPr>
+        <p:style>
+          <a:lnRef idx="1">
+            <a:schemeClr val="accent1"/>
+          </a:lnRef>
+          <a:fillRef idx="3">
+            <a:schemeClr val="accent1"/>
+          </a:fillRef>
+          <a:effectRef idx="2">
+            <a:schemeClr val="accent1"/>
+          </a:effectRef>
+          <a:fontRef idx="minor">
+            <a:schemeClr val="lt1"/>
+          </a:fontRef>
+        </p:style>
+      </p:sp>
+      <p:sp>
+        <p:nvSpPr>
+          <p:cNvPr id="15" name="Rectangle 14">
+            <a:extLst>
+              <a:ext uri="{FF2B5EF4-FFF2-40B4-BE49-F238E27FC236}">
+                <a16:creationId xmlns:a16="http://schemas.microsoft.com/office/drawing/2014/main" id="{0599BEDA-CEC9-4E6C-B05D-1353D0F165D9}"/>
+              </a:ext>
+              <a:ext uri="{C183D7F6-B498-43B3-948B-1728B52AA6E4}">
+                <adec:decorative xmlns:adec="http://schemas.microsoft.com/office/drawing/2017/decorative" val="1"/>
+              </a:ext>
+            </a:extLst>
+          </p:cNvPr>
+          <p:cNvSpPr>
+            <a:spLocks noGrp="1" noRot="1" noChangeAspect="1" noMove="1" noResize="1" noEditPoints="1" noAdjustHandles="1" noChangeArrowheads="1" noChangeShapeType="1" noTextEdit="1"/>
+          </p:cNvSpPr>
+          <p:nvPr>
+            <p:extLst>
+              <p:ext uri="{386F3935-93C4-4BCD-93E2-E3B085C9AB24}">
+                <p16:designElem xmlns:p16="http://schemas.microsoft.com/office/powerpoint/2015/main" val="1"/>
+              </p:ext>
+            </p:extLst>
+          </p:nvPr>
+        </p:nvSpPr>
+        <p:spPr bwMode="ltGray">
+          <a:xfrm>
+            <a:off x="1143000" y="1295400"/>
+            <a:ext cx="9982200" cy="4267200"/>
+          </a:xfrm>
+          <a:prstGeom prst="rect">
+            <a:avLst/>
+          </a:prstGeom>
+          <a:solidFill>
+            <a:srgbClr val="000001">
+              <a:alpha val="60000"/>
+            </a:srgbClr>
+          </a:solidFill>
+          <a:ln>
+            <a:noFill/>
+          </a:ln>
+        </p:spPr>
+        <p:style>
+          <a:lnRef idx="1">
+            <a:schemeClr val="accent1"/>
+          </a:lnRef>
+          <a:fillRef idx="3">
+            <a:schemeClr val="accent1"/>
+          </a:fillRef>
+          <a:effectRef idx="2">
+            <a:schemeClr val="accent1"/>
+          </a:effectRef>
+          <a:fontRef idx="minor">
+            <a:schemeClr val="lt1"/>
+          </a:fontRef>
+        </p:style>
+        <p:txBody>
+          <a:bodyPr rtlCol="0" anchor="ctr"/>
+          <a:lstStyle/>
+          <a:p>
+            <a:pPr algn="ctr"/>
+            <a:endParaRPr lang="en-US"/>
+          </a:p>
+        </p:txBody>
+      </p:sp>
+      <p:sp>
+        <p:nvSpPr>
+          <p:cNvPr id="2" name="Título 1">
+            <a:extLst>
+              <a:ext uri="{FF2B5EF4-FFF2-40B4-BE49-F238E27FC236}">
+                <a16:creationId xmlns:a16="http://schemas.microsoft.com/office/drawing/2014/main" id="{060FC14E-AFA8-155A-46B4-591D0DD1D3D2}"/>
+              </a:ext>
+            </a:extLst>
+          </p:cNvPr>
+          <p:cNvSpPr>
+            <a:spLocks noGrp="1"/>
+          </p:cNvSpPr>
+          <p:nvPr>
+            <p:ph type="title"/>
+          </p:nvPr>
+        </p:nvSpPr>
+        <p:spPr>
+          <a:xfrm>
+            <a:off x="1295400" y="1447801"/>
+            <a:ext cx="8620967" cy="855132"/>
+          </a:xfrm>
+        </p:spPr>
+        <p:txBody>
+          <a:bodyPr>
+            <a:normAutofit/>
+          </a:bodyPr>
+          <a:lstStyle/>
+          <a:p>
+            <a:r>
+              <a:rPr lang="pt-BR">
+                <a:solidFill>
+                  <a:srgbClr val="FFFFFF"/>
+                </a:solidFill>
+              </a:rPr>
+              <a:t>Ué, por que o site está assim?</a:t>
+            </a:r>
+          </a:p>
+        </p:txBody>
+      </p:sp>
+      <p:sp>
+        <p:nvSpPr>
+          <p:cNvPr id="8" name="Content Placeholder 7">
+            <a:extLst>
+              <a:ext uri="{FF2B5EF4-FFF2-40B4-BE49-F238E27FC236}">
+                <a16:creationId xmlns:a16="http://schemas.microsoft.com/office/drawing/2014/main" id="{424720D4-9182-64A8-0C6B-239377CF5414}"/>
+              </a:ext>
+            </a:extLst>
+          </p:cNvPr>
+          <p:cNvSpPr>
+            <a:spLocks noGrp="1"/>
+          </p:cNvSpPr>
+          <p:nvPr>
+            <p:ph idx="1"/>
+          </p:nvPr>
+        </p:nvSpPr>
+        <p:spPr>
+          <a:xfrm>
+            <a:off x="1727200" y="2446868"/>
+            <a:ext cx="8254999" cy="2971800"/>
+          </a:xfrm>
+        </p:spPr>
+        <p:txBody>
+          <a:bodyPr anchor="t">
+            <a:normAutofit/>
+          </a:bodyPr>
+          <a:lstStyle/>
+          <a:p>
+            <a:r>
+              <a:rPr lang="en-US" sz="3200" err="1">
+                <a:solidFill>
+                  <a:srgbClr val="FFFFFF"/>
+                </a:solidFill>
+              </a:rPr>
+              <a:t>Temos</a:t>
+            </a:r>
+            <a:r>
+              <a:rPr lang="en-US" sz="3200" dirty="0">
+                <a:solidFill>
+                  <a:srgbClr val="FFFFFF"/>
+                </a:solidFill>
+              </a:rPr>
+              <a:t> que </a:t>
+            </a:r>
+            <a:r>
+              <a:rPr lang="en-US" sz="3200" err="1">
+                <a:solidFill>
+                  <a:srgbClr val="FFFFFF"/>
+                </a:solidFill>
+              </a:rPr>
+              <a:t>fazer</a:t>
+            </a:r>
+            <a:r>
+              <a:rPr lang="en-US" sz="3200" dirty="0">
+                <a:solidFill>
+                  <a:srgbClr val="FFFFFF"/>
+                </a:solidFill>
+              </a:rPr>
+              <a:t> o site </a:t>
+            </a:r>
+            <a:r>
+              <a:rPr lang="en-US" sz="3200" err="1">
+                <a:solidFill>
+                  <a:srgbClr val="FFFFFF"/>
+                </a:solidFill>
+              </a:rPr>
+              <a:t>carregar</a:t>
+            </a:r>
+            <a:r>
+              <a:rPr lang="en-US" sz="3200" dirty="0">
+                <a:solidFill>
+                  <a:srgbClr val="FFFFFF"/>
+                </a:solidFill>
+              </a:rPr>
+              <a:t> </a:t>
+            </a:r>
+            <a:r>
+              <a:rPr lang="en-US" sz="3200" err="1">
+                <a:solidFill>
+                  <a:srgbClr val="FFFFFF"/>
+                </a:solidFill>
+              </a:rPr>
+              <a:t>os</a:t>
+            </a:r>
+            <a:r>
+              <a:rPr lang="en-US" sz="3200" dirty="0">
+                <a:solidFill>
+                  <a:srgbClr val="FFFFFF"/>
+                </a:solidFill>
+              </a:rPr>
+              <a:t> </a:t>
+            </a:r>
+            <a:r>
+              <a:rPr lang="en-US" sz="3200" err="1">
+                <a:solidFill>
+                  <a:srgbClr val="FFFFFF"/>
+                </a:solidFill>
+              </a:rPr>
+              <a:t>arquivos</a:t>
+            </a:r>
+            <a:r>
+              <a:rPr lang="en-US" sz="3200" dirty="0">
+                <a:solidFill>
+                  <a:srgbClr val="FFFFFF"/>
+                </a:solidFill>
+              </a:rPr>
+              <a:t> da pasta "static".</a:t>
+            </a:r>
+          </a:p>
+        </p:txBody>
+      </p:sp>
+    </p:spTree>
+    <p:extLst>
+      <p:ext uri="{BB962C8B-B14F-4D97-AF65-F5344CB8AC3E}">
+        <p14:creationId xmlns:p14="http://schemas.microsoft.com/office/powerpoint/2010/main" val="2860888257"/>
+      </p:ext>
+    </p:extLst>
+  </p:cSld>
+  <p:clrMapOvr>
+    <a:overrideClrMapping bg1="dk1" tx1="lt1" bg2="dk2" tx2="lt2" accent1="accent1" accent2="accent2" accent3="accent3" accent4="accent4" accent5="accent5" accent6="accent6" hlink="hlink" folHlink="folHlink"/>
+  </p:clrMapOvr>
+</p:sld>
+</file>
+
+<file path=ppt/slides/slide19.xml><?xml version="1.0" encoding="utf-8"?>
+<p:sld xmlns:a="http://schemas.openxmlformats.org/drawingml/2006/main" xmlns:r="http://schemas.openxmlformats.org/officeDocument/2006/relationships" xmlns:p="http://schemas.openxmlformats.org/presentationml/2006/main">
+  <p:cSld>
+    <p:spTree>
+      <p:nvGrpSpPr>
+        <p:cNvPr id="1" name=""/>
+        <p:cNvGrpSpPr/>
+        <p:nvPr/>
+      </p:nvGrpSpPr>
+      <p:grpSpPr>
+        <a:xfrm>
+          <a:off x="0" y="0"/>
+          <a:ext cx="0" cy="0"/>
+          <a:chOff x="0" y="0"/>
+          <a:chExt cx="0" cy="0"/>
+        </a:xfrm>
+      </p:grpSpPr>
+      <p:sp>
+        <p:nvSpPr>
+          <p:cNvPr id="2" name="Título 1">
+            <a:extLst>
+              <a:ext uri="{FF2B5EF4-FFF2-40B4-BE49-F238E27FC236}">
+                <a16:creationId xmlns:a16="http://schemas.microsoft.com/office/drawing/2014/main" id="{6919280A-8DB6-841E-96EC-7831CE74F48E}"/>
+              </a:ext>
+            </a:extLst>
+          </p:cNvPr>
+          <p:cNvSpPr>
+            <a:spLocks noGrp="1"/>
+          </p:cNvSpPr>
+          <p:nvPr>
+            <p:ph type="title"/>
+          </p:nvPr>
+        </p:nvSpPr>
+        <p:spPr/>
+        <p:txBody>
+          <a:bodyPr/>
+          <a:lstStyle/>
+          <a:p>
+            <a:r>
+              <a:rPr lang="pt-BR" dirty="0"/>
+              <a:t>Editando nosso </a:t>
+            </a:r>
+            <a:r>
+              <a:rPr lang="pt-BR" dirty="0" err="1"/>
+              <a:t>template</a:t>
+            </a:r>
+            <a:r>
+              <a:rPr lang="pt-BR" dirty="0"/>
+              <a:t> (index.html)</a:t>
+            </a:r>
+          </a:p>
+        </p:txBody>
+      </p:sp>
+      <p:pic>
+        <p:nvPicPr>
+          <p:cNvPr id="4" name="Espaço Reservado para Conteúdo 3" descr="Texto&#10;&#10;Descrição gerada automaticamente">
+            <a:extLst>
+              <a:ext uri="{FF2B5EF4-FFF2-40B4-BE49-F238E27FC236}">
+                <a16:creationId xmlns:a16="http://schemas.microsoft.com/office/drawing/2014/main" id="{33BD6007-35E1-4CFF-D71E-EEC7575A8EFE}"/>
+              </a:ext>
+            </a:extLst>
+          </p:cNvPr>
+          <p:cNvPicPr>
+            <a:picLocks noGrp="1" noChangeAspect="1"/>
+          </p:cNvPicPr>
+          <p:nvPr>
+            <p:ph idx="1"/>
+          </p:nvPr>
+        </p:nvPicPr>
+        <p:blipFill>
+          <a:blip r:embed="rId2"/>
+          <a:stretch>
+            <a:fillRect/>
+          </a:stretch>
+        </p:blipFill>
+        <p:spPr>
+          <a:xfrm>
+            <a:off x="1149442" y="2650256"/>
+            <a:ext cx="4135287" cy="1281202"/>
+          </a:xfrm>
+        </p:spPr>
+      </p:pic>
+      <p:pic>
+        <p:nvPicPr>
+          <p:cNvPr id="5" name="Imagem 4">
+            <a:extLst>
+              <a:ext uri="{FF2B5EF4-FFF2-40B4-BE49-F238E27FC236}">
+                <a16:creationId xmlns:a16="http://schemas.microsoft.com/office/drawing/2014/main" id="{8D7E546B-2D69-0DCA-69DB-133224EF8796}"/>
+              </a:ext>
+            </a:extLst>
+          </p:cNvPr>
+          <p:cNvPicPr>
+            <a:picLocks noChangeAspect="1"/>
+          </p:cNvPicPr>
+          <p:nvPr/>
+        </p:nvPicPr>
+        <p:blipFill>
+          <a:blip r:embed="rId3"/>
+          <a:stretch>
+            <a:fillRect/>
+          </a:stretch>
+        </p:blipFill>
+        <p:spPr>
+          <a:xfrm>
+            <a:off x="626853" y="4905029"/>
+            <a:ext cx="10506972" cy="699788"/>
+          </a:xfrm>
+          <a:prstGeom prst="rect">
+            <a:avLst/>
+          </a:prstGeom>
+        </p:spPr>
+      </p:pic>
+      <p:sp>
+        <p:nvSpPr>
+          <p:cNvPr id="6" name="CaixaDeTexto 5">
+            <a:extLst>
+              <a:ext uri="{FF2B5EF4-FFF2-40B4-BE49-F238E27FC236}">
+                <a16:creationId xmlns:a16="http://schemas.microsoft.com/office/drawing/2014/main" id="{3EEA1EAC-0717-73E1-7555-8E761C73C61E}"/>
+              </a:ext>
+            </a:extLst>
+          </p:cNvPr>
+          <p:cNvSpPr txBox="1"/>
+          <p:nvPr/>
+        </p:nvSpPr>
+        <p:spPr>
+          <a:xfrm>
+            <a:off x="5792200" y="2966736"/>
+            <a:ext cx="5284304" cy="646331"/>
+          </a:xfrm>
+          <a:prstGeom prst="rect">
+            <a:avLst/>
+          </a:prstGeom>
+          <a:noFill/>
+        </p:spPr>
+        <p:txBody>
+          <a:bodyPr rot="0" spcFirstLastPara="0" vertOverflow="overflow" horzOverflow="overflow" vert="horz" wrap="square" lIns="91440" tIns="45720" rIns="91440" bIns="45720" numCol="1" spcCol="0" rtlCol="0" fromWordArt="0" anchor="t" anchorCtr="0" forceAA="0" compatLnSpc="1">
+            <a:prstTxWarp prst="textNoShape">
+              <a:avLst/>
+            </a:prstTxWarp>
+            <a:spAutoFit/>
+          </a:bodyPr>
+          <a:lstStyle/>
+          <a:p>
+            <a:r>
+              <a:rPr lang="pt-BR" dirty="0"/>
+              <a:t>Estes são os comandos usados no nosso </a:t>
+            </a:r>
+            <a:r>
+              <a:rPr lang="pt-BR" err="1"/>
+              <a:t>html</a:t>
+            </a:r>
+            <a:r>
+              <a:rPr lang="pt-BR" dirty="0"/>
+              <a:t> </a:t>
+            </a:r>
+            <a:r>
+              <a:rPr lang="pt-BR"/>
+              <a:t>para carregar os arquivos do static.</a:t>
+            </a:r>
+          </a:p>
+        </p:txBody>
+      </p:sp>
+    </p:spTree>
+    <p:extLst>
+      <p:ext uri="{BB962C8B-B14F-4D97-AF65-F5344CB8AC3E}">
+        <p14:creationId xmlns:p14="http://schemas.microsoft.com/office/powerpoint/2010/main" val="2139633511"/>
       </p:ext>
     </p:extLst>
   </p:cSld>
@@ -13727,20 +15751,273 @@
           </a:xfrm>
         </p:spPr>
         <p:txBody>
+          <a:bodyPr vert="horz" lIns="91440" tIns="45720" rIns="91440" bIns="45720" rtlCol="0" anchor="t">
+            <a:normAutofit/>
+          </a:bodyPr>
+          <a:lstStyle/>
+          <a:p>
+            <a:r>
+              <a:rPr lang="pt-BR" dirty="0"/>
+              <a:t>Instrutor: Augusto Medeiros				                    Co instrutor: Guilherme Vitorio</a:t>
+            </a:r>
+          </a:p>
+        </p:txBody>
+      </p:sp>
+      <p:pic>
+        <p:nvPicPr>
+          <p:cNvPr id="5" name="Imagem 4" descr="Homem segurando raquete de tênis&#10;&#10;Descrição gerada automaticamente">
+            <a:extLst>
+              <a:ext uri="{FF2B5EF4-FFF2-40B4-BE49-F238E27FC236}">
+                <a16:creationId xmlns:a16="http://schemas.microsoft.com/office/drawing/2014/main" id="{E3EAF697-8BAC-CDD5-5251-42586E39E5AB}"/>
+              </a:ext>
+            </a:extLst>
+          </p:cNvPr>
+          <p:cNvPicPr>
+            <a:picLocks noChangeAspect="1"/>
+          </p:cNvPicPr>
+          <p:nvPr/>
+        </p:nvPicPr>
+        <p:blipFill>
+          <a:blip r:embed="rId2"/>
+          <a:stretch>
+            <a:fillRect/>
+          </a:stretch>
+        </p:blipFill>
+        <p:spPr>
+          <a:xfrm>
+            <a:off x="1676400" y="3150079"/>
+            <a:ext cx="2743200" cy="2743200"/>
+          </a:xfrm>
+          <a:prstGeom prst="rect">
+            <a:avLst/>
+          </a:prstGeom>
+        </p:spPr>
+      </p:pic>
+      <p:pic>
+        <p:nvPicPr>
+          <p:cNvPr id="6" name="Imagem 5" descr="Homem de óculos e camisa branca&#10;&#10;Descrição gerada automaticamente">
+            <a:extLst>
+              <a:ext uri="{FF2B5EF4-FFF2-40B4-BE49-F238E27FC236}">
+                <a16:creationId xmlns:a16="http://schemas.microsoft.com/office/drawing/2014/main" id="{63862EBC-11F1-AEED-DD95-69EB605CF1CD}"/>
+              </a:ext>
+            </a:extLst>
+          </p:cNvPr>
+          <p:cNvPicPr>
+            <a:picLocks noChangeAspect="1"/>
+          </p:cNvPicPr>
+          <p:nvPr/>
+        </p:nvPicPr>
+        <p:blipFill>
+          <a:blip r:embed="rId3"/>
+          <a:stretch>
+            <a:fillRect/>
+          </a:stretch>
+        </p:blipFill>
+        <p:spPr>
+          <a:xfrm>
+            <a:off x="7786777" y="3150079"/>
+            <a:ext cx="2743200" cy="2743200"/>
+          </a:xfrm>
+          <a:prstGeom prst="rect">
+            <a:avLst/>
+          </a:prstGeom>
+        </p:spPr>
+      </p:pic>
+    </p:spTree>
+    <p:extLst>
+      <p:ext uri="{BB962C8B-B14F-4D97-AF65-F5344CB8AC3E}">
+        <p14:creationId xmlns:p14="http://schemas.microsoft.com/office/powerpoint/2010/main" val="3952246125"/>
+      </p:ext>
+    </p:extLst>
+  </p:cSld>
+  <p:clrMapOvr>
+    <a:masterClrMapping/>
+  </p:clrMapOvr>
+</p:sld>
+</file>
+
+<file path=ppt/slides/slide20.xml><?xml version="1.0" encoding="utf-8"?>
+<p:sld xmlns:a="http://schemas.openxmlformats.org/drawingml/2006/main" xmlns:r="http://schemas.openxmlformats.org/officeDocument/2006/relationships" xmlns:p="http://schemas.openxmlformats.org/presentationml/2006/main">
+  <p:cSld>
+    <p:spTree>
+      <p:nvGrpSpPr>
+        <p:cNvPr id="1" name=""/>
+        <p:cNvGrpSpPr/>
+        <p:nvPr/>
+      </p:nvGrpSpPr>
+      <p:grpSpPr>
+        <a:xfrm>
+          <a:off x="0" y="0"/>
+          <a:ext cx="0" cy="0"/>
+          <a:chOff x="0" y="0"/>
+          <a:chExt cx="0" cy="0"/>
+        </a:xfrm>
+      </p:grpSpPr>
+      <p:sp>
+        <p:nvSpPr>
+          <p:cNvPr id="2" name="Título 1">
+            <a:extLst>
+              <a:ext uri="{FF2B5EF4-FFF2-40B4-BE49-F238E27FC236}">
+                <a16:creationId xmlns:a16="http://schemas.microsoft.com/office/drawing/2014/main" id="{342F7F62-83FB-1F51-1126-4E8BC95D2174}"/>
+              </a:ext>
+            </a:extLst>
+          </p:cNvPr>
+          <p:cNvSpPr>
+            <a:spLocks noGrp="1"/>
+          </p:cNvSpPr>
+          <p:nvPr>
+            <p:ph type="title"/>
+          </p:nvPr>
+        </p:nvSpPr>
+        <p:spPr/>
+        <p:txBody>
           <a:bodyPr/>
           <a:lstStyle/>
           <a:p>
             <a:r>
               <a:rPr lang="pt-BR" dirty="0"/>
-              <a:t>Instrutor: Augusto Medeiros				                    </a:t>
+              <a:t>Adicionando as curiosidades no </a:t>
             </a:r>
             <a:r>
               <a:rPr lang="pt-BR" dirty="0" err="1"/>
-              <a:t>Co-instrutor</a:t>
+              <a:t>html</a:t>
             </a:r>
             <a:r>
               <a:rPr lang="pt-BR" dirty="0"/>
-              <a:t>: Guilherme Vitorio</a:t>
+              <a:t>.</a:t>
+            </a:r>
+          </a:p>
+        </p:txBody>
+      </p:sp>
+      <p:pic>
+        <p:nvPicPr>
+          <p:cNvPr id="4" name="Espaço Reservado para Conteúdo 3" descr="Texto&#10;&#10;Descrição gerada automaticamente">
+            <a:extLst>
+              <a:ext uri="{FF2B5EF4-FFF2-40B4-BE49-F238E27FC236}">
+                <a16:creationId xmlns:a16="http://schemas.microsoft.com/office/drawing/2014/main" id="{D36180BA-7916-44EE-9290-CB96C2B39645}"/>
+              </a:ext>
+            </a:extLst>
+          </p:cNvPr>
+          <p:cNvPicPr>
+            <a:picLocks noGrp="1" noChangeAspect="1"/>
+          </p:cNvPicPr>
+          <p:nvPr>
+            <p:ph idx="1"/>
+          </p:nvPr>
+        </p:nvPicPr>
+        <p:blipFill>
+          <a:blip r:embed="rId2"/>
+          <a:stretch>
+            <a:fillRect/>
+          </a:stretch>
+        </p:blipFill>
+        <p:spPr>
+          <a:xfrm>
+            <a:off x="1392958" y="2771656"/>
+            <a:ext cx="9729876" cy="3410668"/>
+          </a:xfrm>
+        </p:spPr>
+      </p:pic>
+    </p:spTree>
+    <p:extLst>
+      <p:ext uri="{BB962C8B-B14F-4D97-AF65-F5344CB8AC3E}">
+        <p14:creationId xmlns:p14="http://schemas.microsoft.com/office/powerpoint/2010/main" val="2952583312"/>
+      </p:ext>
+    </p:extLst>
+  </p:cSld>
+  <p:clrMapOvr>
+    <a:masterClrMapping/>
+  </p:clrMapOvr>
+</p:sld>
+</file>
+
+<file path=ppt/slides/slide21.xml><?xml version="1.0" encoding="utf-8"?>
+<p:sld xmlns:a="http://schemas.openxmlformats.org/drawingml/2006/main" xmlns:r="http://schemas.openxmlformats.org/officeDocument/2006/relationships" xmlns:p="http://schemas.openxmlformats.org/presentationml/2006/main">
+  <p:cSld>
+    <p:spTree>
+      <p:nvGrpSpPr>
+        <p:cNvPr id="1" name=""/>
+        <p:cNvGrpSpPr/>
+        <p:nvPr/>
+      </p:nvGrpSpPr>
+      <p:grpSpPr>
+        <a:xfrm>
+          <a:off x="0" y="0"/>
+          <a:ext cx="0" cy="0"/>
+          <a:chOff x="0" y="0"/>
+          <a:chExt cx="0" cy="0"/>
+        </a:xfrm>
+      </p:grpSpPr>
+      <p:sp>
+        <p:nvSpPr>
+          <p:cNvPr id="2" name="Título 1">
+            <a:extLst>
+              <a:ext uri="{FF2B5EF4-FFF2-40B4-BE49-F238E27FC236}">
+                <a16:creationId xmlns:a16="http://schemas.microsoft.com/office/drawing/2014/main" id="{304C3A5A-B6B2-1089-3A5A-8C533130F746}"/>
+              </a:ext>
+            </a:extLst>
+          </p:cNvPr>
+          <p:cNvSpPr>
+            <a:spLocks noGrp="1"/>
+          </p:cNvSpPr>
+          <p:nvPr>
+            <p:ph type="title"/>
+          </p:nvPr>
+        </p:nvSpPr>
+        <p:spPr/>
+        <p:txBody>
+          <a:bodyPr/>
+          <a:lstStyle/>
+          <a:p>
+            <a:r>
+              <a:rPr lang="pt-BR" dirty="0"/>
+              <a:t>Obrigado!</a:t>
+            </a:r>
+          </a:p>
+        </p:txBody>
+      </p:sp>
+      <p:sp>
+        <p:nvSpPr>
+          <p:cNvPr id="3" name="Espaço Reservado para Conteúdo 2">
+            <a:extLst>
+              <a:ext uri="{FF2B5EF4-FFF2-40B4-BE49-F238E27FC236}">
+                <a16:creationId xmlns:a16="http://schemas.microsoft.com/office/drawing/2014/main" id="{9B3D5EA8-1E4E-2799-F2AA-C37589FAB3AE}"/>
+              </a:ext>
+            </a:extLst>
+          </p:cNvPr>
+          <p:cNvSpPr>
+            <a:spLocks noGrp="1"/>
+          </p:cNvSpPr>
+          <p:nvPr>
+            <p:ph idx="1"/>
+          </p:nvPr>
+        </p:nvSpPr>
+        <p:spPr/>
+        <p:txBody>
+          <a:bodyPr vert="horz" lIns="91440" tIns="45720" rIns="91440" bIns="45720" rtlCol="0" anchor="t">
+            <a:normAutofit/>
+          </a:bodyPr>
+          <a:lstStyle/>
+          <a:p>
+            <a:r>
+              <a:rPr lang="pt-BR" sz="3200" dirty="0"/>
+              <a:t>Sigam </a:t>
+            </a:r>
+            <a:r>
+              <a:rPr lang="pt-BR" sz="3200" b="1" dirty="0"/>
+              <a:t>@cangacodev</a:t>
+            </a:r>
+            <a:r>
+              <a:rPr lang="pt-BR" sz="3200" dirty="0"/>
+              <a:t> no </a:t>
+            </a:r>
+            <a:r>
+              <a:rPr lang="pt-BR" sz="3200" err="1"/>
+              <a:t>instagram</a:t>
+            </a:r>
+            <a:r>
+              <a:rPr lang="pt-BR" sz="3200" dirty="0"/>
+              <a:t> para novidades.</a:t>
             </a:r>
           </a:p>
         </p:txBody>
@@ -13748,7 +16025,7 @@
     </p:spTree>
     <p:extLst>
       <p:ext uri="{BB962C8B-B14F-4D97-AF65-F5344CB8AC3E}">
-        <p14:creationId xmlns:p14="http://schemas.microsoft.com/office/powerpoint/2010/main" val="3952246125"/>
+        <p14:creationId xmlns:p14="http://schemas.microsoft.com/office/powerpoint/2010/main" val="2260432756"/>
       </p:ext>
     </p:extLst>
   </p:cSld>
